--- a/软件测试ppt/软件可测试性-测量方法.pptx
+++ b/软件测试ppt/软件可测试性-测量方法.pptx
@@ -4,6 +4,9 @@
   <p:sldMasterIdLst>
     <p:sldMasterId id="2147483648" r:id="rId1"/>
   </p:sldMasterIdLst>
+  <p:notesMasterIdLst>
+    <p:notesMasterId r:id="rId48"/>
+  </p:notesMasterIdLst>
   <p:sldIdLst>
     <p:sldId id="256" r:id="rId2"/>
     <p:sldId id="260" r:id="rId3"/>
@@ -35,19 +38,22 @@
     <p:sldId id="284" r:id="rId29"/>
     <p:sldId id="285" r:id="rId30"/>
     <p:sldId id="286" r:id="rId31"/>
-    <p:sldId id="287" r:id="rId32"/>
-    <p:sldId id="288" r:id="rId33"/>
-    <p:sldId id="289" r:id="rId34"/>
-    <p:sldId id="290" r:id="rId35"/>
-    <p:sldId id="291" r:id="rId36"/>
-    <p:sldId id="292" r:id="rId37"/>
-    <p:sldId id="294" r:id="rId38"/>
-    <p:sldId id="293" r:id="rId39"/>
-    <p:sldId id="295" r:id="rId40"/>
-    <p:sldId id="296" r:id="rId41"/>
-    <p:sldId id="297" r:id="rId42"/>
-    <p:sldId id="298" r:id="rId43"/>
-    <p:sldId id="299" r:id="rId44"/>
+    <p:sldId id="300" r:id="rId32"/>
+    <p:sldId id="301" r:id="rId33"/>
+    <p:sldId id="287" r:id="rId34"/>
+    <p:sldId id="288" r:id="rId35"/>
+    <p:sldId id="289" r:id="rId36"/>
+    <p:sldId id="290" r:id="rId37"/>
+    <p:sldId id="291" r:id="rId38"/>
+    <p:sldId id="302" r:id="rId39"/>
+    <p:sldId id="292" r:id="rId40"/>
+    <p:sldId id="294" r:id="rId41"/>
+    <p:sldId id="293" r:id="rId42"/>
+    <p:sldId id="295" r:id="rId43"/>
+    <p:sldId id="296" r:id="rId44"/>
+    <p:sldId id="297" r:id="rId45"/>
+    <p:sldId id="298" r:id="rId46"/>
+    <p:sldId id="299" r:id="rId47"/>
   </p:sldIdLst>
   <p:sldSz cx="9144000" cy="6858000" type="screen4x3"/>
   <p:notesSz cx="6858000" cy="9144000"/>
@@ -149,6 +155,437 @@
 </p:presentation>
 </file>
 
+<file path=ppt/notesMasters/notesMaster1.xml><?xml version="1.0" encoding="utf-8"?>
+<p:notesMaster xmlns:a="http://schemas.openxmlformats.org/drawingml/2006/main" xmlns:r="http://schemas.openxmlformats.org/officeDocument/2006/relationships" xmlns:p="http://schemas.openxmlformats.org/presentationml/2006/main">
+  <p:cSld>
+    <p:bg>
+      <p:bgRef idx="1001">
+        <a:schemeClr val="bg1"/>
+      </p:bgRef>
+    </p:bg>
+    <p:spTree>
+      <p:nvGrpSpPr>
+        <p:cNvPr id="1" name=""/>
+        <p:cNvGrpSpPr/>
+        <p:nvPr/>
+      </p:nvGrpSpPr>
+      <p:grpSpPr>
+        <a:xfrm>
+          <a:off x="0" y="0"/>
+          <a:ext cx="0" cy="0"/>
+          <a:chOff x="0" y="0"/>
+          <a:chExt cx="0" cy="0"/>
+        </a:xfrm>
+      </p:grpSpPr>
+      <p:sp>
+        <p:nvSpPr>
+          <p:cNvPr id="2" name="页眉占位符 1"/>
+          <p:cNvSpPr>
+            <a:spLocks noGrp="1"/>
+          </p:cNvSpPr>
+          <p:nvPr>
+            <p:ph type="hdr" sz="quarter"/>
+          </p:nvPr>
+        </p:nvSpPr>
+        <p:spPr>
+          <a:xfrm>
+            <a:off x="0" y="0"/>
+            <a:ext cx="2971800" cy="457200"/>
+          </a:xfrm>
+          <a:prstGeom prst="rect">
+            <a:avLst/>
+          </a:prstGeom>
+        </p:spPr>
+        <p:txBody>
+          <a:bodyPr vert="horz" lIns="91440" tIns="45720" rIns="91440" bIns="45720" rtlCol="0"/>
+          <a:lstStyle>
+            <a:lvl1pPr algn="l">
+              <a:defRPr sz="1200"/>
+            </a:lvl1pPr>
+          </a:lstStyle>
+          <a:p>
+            <a:endParaRPr lang="zh-CN" altLang="en-US"/>
+          </a:p>
+        </p:txBody>
+      </p:sp>
+      <p:sp>
+        <p:nvSpPr>
+          <p:cNvPr id="3" name="日期占位符 2"/>
+          <p:cNvSpPr>
+            <a:spLocks noGrp="1"/>
+          </p:cNvSpPr>
+          <p:nvPr>
+            <p:ph type="dt" idx="1"/>
+          </p:nvPr>
+        </p:nvSpPr>
+        <p:spPr>
+          <a:xfrm>
+            <a:off x="3884613" y="0"/>
+            <a:ext cx="2971800" cy="457200"/>
+          </a:xfrm>
+          <a:prstGeom prst="rect">
+            <a:avLst/>
+          </a:prstGeom>
+        </p:spPr>
+        <p:txBody>
+          <a:bodyPr vert="horz" lIns="91440" tIns="45720" rIns="91440" bIns="45720" rtlCol="0"/>
+          <a:lstStyle>
+            <a:lvl1pPr algn="r">
+              <a:defRPr sz="1200"/>
+            </a:lvl1pPr>
+          </a:lstStyle>
+          <a:p>
+            <a:fld id="{C5E067F1-1772-4676-8448-B72394C150A0}" type="datetimeFigureOut">
+              <a:rPr lang="zh-CN" altLang="en-US" smtClean="0"/>
+              <a:pPr/>
+              <a:t>2019/7/11</a:t>
+            </a:fld>
+            <a:endParaRPr lang="zh-CN" altLang="en-US"/>
+          </a:p>
+        </p:txBody>
+      </p:sp>
+      <p:sp>
+        <p:nvSpPr>
+          <p:cNvPr id="4" name="幻灯片图像占位符 3"/>
+          <p:cNvSpPr>
+            <a:spLocks noGrp="1" noRot="1" noChangeAspect="1"/>
+          </p:cNvSpPr>
+          <p:nvPr>
+            <p:ph type="sldImg" idx="2"/>
+          </p:nvPr>
+        </p:nvSpPr>
+        <p:spPr>
+          <a:xfrm>
+            <a:off x="1143000" y="685800"/>
+            <a:ext cx="4572000" cy="3429000"/>
+          </a:xfrm>
+          <a:prstGeom prst="rect">
+            <a:avLst/>
+          </a:prstGeom>
+          <a:noFill/>
+          <a:ln w="12700">
+            <a:solidFill>
+              <a:prstClr val="black"/>
+            </a:solidFill>
+          </a:ln>
+        </p:spPr>
+        <p:txBody>
+          <a:bodyPr vert="horz" lIns="91440" tIns="45720" rIns="91440" bIns="45720" rtlCol="0" anchor="ctr"/>
+          <a:lstStyle/>
+          <a:p>
+            <a:endParaRPr lang="zh-CN" altLang="en-US"/>
+          </a:p>
+        </p:txBody>
+      </p:sp>
+      <p:sp>
+        <p:nvSpPr>
+          <p:cNvPr id="5" name="备注占位符 4"/>
+          <p:cNvSpPr>
+            <a:spLocks noGrp="1"/>
+          </p:cNvSpPr>
+          <p:nvPr>
+            <p:ph type="body" sz="quarter" idx="3"/>
+          </p:nvPr>
+        </p:nvSpPr>
+        <p:spPr>
+          <a:xfrm>
+            <a:off x="685800" y="4343400"/>
+            <a:ext cx="5486400" cy="4114800"/>
+          </a:xfrm>
+          <a:prstGeom prst="rect">
+            <a:avLst/>
+          </a:prstGeom>
+        </p:spPr>
+        <p:txBody>
+          <a:bodyPr vert="horz" lIns="91440" tIns="45720" rIns="91440" bIns="45720" rtlCol="0">
+            <a:normAutofit/>
+          </a:bodyPr>
+          <a:lstStyle/>
+          <a:p>
+            <a:pPr lvl="0"/>
+            <a:r>
+              <a:rPr lang="zh-CN" altLang="en-US" smtClean="0"/>
+              <a:t>单击此处编辑母版文本样式</a:t>
+            </a:r>
+          </a:p>
+          <a:p>
+            <a:pPr lvl="1"/>
+            <a:r>
+              <a:rPr lang="zh-CN" altLang="en-US" smtClean="0"/>
+              <a:t>第二级</a:t>
+            </a:r>
+          </a:p>
+          <a:p>
+            <a:pPr lvl="2"/>
+            <a:r>
+              <a:rPr lang="zh-CN" altLang="en-US" smtClean="0"/>
+              <a:t>第三级</a:t>
+            </a:r>
+          </a:p>
+          <a:p>
+            <a:pPr lvl="3"/>
+            <a:r>
+              <a:rPr lang="zh-CN" altLang="en-US" smtClean="0"/>
+              <a:t>第四级</a:t>
+            </a:r>
+          </a:p>
+          <a:p>
+            <a:pPr lvl="4"/>
+            <a:r>
+              <a:rPr lang="zh-CN" altLang="en-US" smtClean="0"/>
+              <a:t>第五级</a:t>
+            </a:r>
+            <a:endParaRPr lang="zh-CN" altLang="en-US"/>
+          </a:p>
+        </p:txBody>
+      </p:sp>
+      <p:sp>
+        <p:nvSpPr>
+          <p:cNvPr id="6" name="页脚占位符 5"/>
+          <p:cNvSpPr>
+            <a:spLocks noGrp="1"/>
+          </p:cNvSpPr>
+          <p:nvPr>
+            <p:ph type="ftr" sz="quarter" idx="4"/>
+          </p:nvPr>
+        </p:nvSpPr>
+        <p:spPr>
+          <a:xfrm>
+            <a:off x="0" y="8685213"/>
+            <a:ext cx="2971800" cy="457200"/>
+          </a:xfrm>
+          <a:prstGeom prst="rect">
+            <a:avLst/>
+          </a:prstGeom>
+        </p:spPr>
+        <p:txBody>
+          <a:bodyPr vert="horz" lIns="91440" tIns="45720" rIns="91440" bIns="45720" rtlCol="0" anchor="b"/>
+          <a:lstStyle>
+            <a:lvl1pPr algn="l">
+              <a:defRPr sz="1200"/>
+            </a:lvl1pPr>
+          </a:lstStyle>
+          <a:p>
+            <a:endParaRPr lang="zh-CN" altLang="en-US"/>
+          </a:p>
+        </p:txBody>
+      </p:sp>
+      <p:sp>
+        <p:nvSpPr>
+          <p:cNvPr id="7" name="灯片编号占位符 6"/>
+          <p:cNvSpPr>
+            <a:spLocks noGrp="1"/>
+          </p:cNvSpPr>
+          <p:nvPr>
+            <p:ph type="sldNum" sz="quarter" idx="5"/>
+          </p:nvPr>
+        </p:nvSpPr>
+        <p:spPr>
+          <a:xfrm>
+            <a:off x="3884613" y="8685213"/>
+            <a:ext cx="2971800" cy="457200"/>
+          </a:xfrm>
+          <a:prstGeom prst="rect">
+            <a:avLst/>
+          </a:prstGeom>
+        </p:spPr>
+        <p:txBody>
+          <a:bodyPr vert="horz" lIns="91440" tIns="45720" rIns="91440" bIns="45720" rtlCol="0" anchor="b"/>
+          <a:lstStyle>
+            <a:lvl1pPr algn="r">
+              <a:defRPr sz="1200"/>
+            </a:lvl1pPr>
+          </a:lstStyle>
+          <a:p>
+            <a:fld id="{5A96EF8F-8F06-4F54-BB4E-BDAF92491FBC}" type="slidenum">
+              <a:rPr lang="zh-CN" altLang="en-US" smtClean="0"/>
+              <a:pPr/>
+              <a:t>‹#›</a:t>
+            </a:fld>
+            <a:endParaRPr lang="zh-CN" altLang="en-US"/>
+          </a:p>
+        </p:txBody>
+      </p:sp>
+    </p:spTree>
+  </p:cSld>
+  <p:clrMap bg1="lt1" tx1="dk1" bg2="lt2" tx2="dk2" accent1="accent1" accent2="accent2" accent3="accent3" accent4="accent4" accent5="accent5" accent6="accent6" hlink="hlink" folHlink="folHlink"/>
+  <p:notesStyle>
+    <a:lvl1pPr marL="0" algn="l" defTabSz="914400" rtl="0" eaLnBrk="1" latinLnBrk="0" hangingPunct="1">
+      <a:defRPr sz="1200" kern="1200">
+        <a:solidFill>
+          <a:schemeClr val="tx1"/>
+        </a:solidFill>
+        <a:latin typeface="+mn-lt"/>
+        <a:ea typeface="+mn-ea"/>
+        <a:cs typeface="+mn-cs"/>
+      </a:defRPr>
+    </a:lvl1pPr>
+    <a:lvl2pPr marL="457200" algn="l" defTabSz="914400" rtl="0" eaLnBrk="1" latinLnBrk="0" hangingPunct="1">
+      <a:defRPr sz="1200" kern="1200">
+        <a:solidFill>
+          <a:schemeClr val="tx1"/>
+        </a:solidFill>
+        <a:latin typeface="+mn-lt"/>
+        <a:ea typeface="+mn-ea"/>
+        <a:cs typeface="+mn-cs"/>
+      </a:defRPr>
+    </a:lvl2pPr>
+    <a:lvl3pPr marL="914400" algn="l" defTabSz="914400" rtl="0" eaLnBrk="1" latinLnBrk="0" hangingPunct="1">
+      <a:defRPr sz="1200" kern="1200">
+        <a:solidFill>
+          <a:schemeClr val="tx1"/>
+        </a:solidFill>
+        <a:latin typeface="+mn-lt"/>
+        <a:ea typeface="+mn-ea"/>
+        <a:cs typeface="+mn-cs"/>
+      </a:defRPr>
+    </a:lvl3pPr>
+    <a:lvl4pPr marL="1371600" algn="l" defTabSz="914400" rtl="0" eaLnBrk="1" latinLnBrk="0" hangingPunct="1">
+      <a:defRPr sz="1200" kern="1200">
+        <a:solidFill>
+          <a:schemeClr val="tx1"/>
+        </a:solidFill>
+        <a:latin typeface="+mn-lt"/>
+        <a:ea typeface="+mn-ea"/>
+        <a:cs typeface="+mn-cs"/>
+      </a:defRPr>
+    </a:lvl4pPr>
+    <a:lvl5pPr marL="1828800" algn="l" defTabSz="914400" rtl="0" eaLnBrk="1" latinLnBrk="0" hangingPunct="1">
+      <a:defRPr sz="1200" kern="1200">
+        <a:solidFill>
+          <a:schemeClr val="tx1"/>
+        </a:solidFill>
+        <a:latin typeface="+mn-lt"/>
+        <a:ea typeface="+mn-ea"/>
+        <a:cs typeface="+mn-cs"/>
+      </a:defRPr>
+    </a:lvl5pPr>
+    <a:lvl6pPr marL="2286000" algn="l" defTabSz="914400" rtl="0" eaLnBrk="1" latinLnBrk="0" hangingPunct="1">
+      <a:defRPr sz="1200" kern="1200">
+        <a:solidFill>
+          <a:schemeClr val="tx1"/>
+        </a:solidFill>
+        <a:latin typeface="+mn-lt"/>
+        <a:ea typeface="+mn-ea"/>
+        <a:cs typeface="+mn-cs"/>
+      </a:defRPr>
+    </a:lvl6pPr>
+    <a:lvl7pPr marL="2743200" algn="l" defTabSz="914400" rtl="0" eaLnBrk="1" latinLnBrk="0" hangingPunct="1">
+      <a:defRPr sz="1200" kern="1200">
+        <a:solidFill>
+          <a:schemeClr val="tx1"/>
+        </a:solidFill>
+        <a:latin typeface="+mn-lt"/>
+        <a:ea typeface="+mn-ea"/>
+        <a:cs typeface="+mn-cs"/>
+      </a:defRPr>
+    </a:lvl7pPr>
+    <a:lvl8pPr marL="3200400" algn="l" defTabSz="914400" rtl="0" eaLnBrk="1" latinLnBrk="0" hangingPunct="1">
+      <a:defRPr sz="1200" kern="1200">
+        <a:solidFill>
+          <a:schemeClr val="tx1"/>
+        </a:solidFill>
+        <a:latin typeface="+mn-lt"/>
+        <a:ea typeface="+mn-ea"/>
+        <a:cs typeface="+mn-cs"/>
+      </a:defRPr>
+    </a:lvl8pPr>
+    <a:lvl9pPr marL="3657600" algn="l" defTabSz="914400" rtl="0" eaLnBrk="1" latinLnBrk="0" hangingPunct="1">
+      <a:defRPr sz="1200" kern="1200">
+        <a:solidFill>
+          <a:schemeClr val="tx1"/>
+        </a:solidFill>
+        <a:latin typeface="+mn-lt"/>
+        <a:ea typeface="+mn-ea"/>
+        <a:cs typeface="+mn-cs"/>
+      </a:defRPr>
+    </a:lvl9pPr>
+  </p:notesStyle>
+</p:notesMaster>
+</file>
+
+<file path=ppt/notesSlides/notesSlide1.xml><?xml version="1.0" encoding="utf-8"?>
+<p:notes xmlns:a="http://schemas.openxmlformats.org/drawingml/2006/main" xmlns:r="http://schemas.openxmlformats.org/officeDocument/2006/relationships" xmlns:p="http://schemas.openxmlformats.org/presentationml/2006/main">
+  <p:cSld>
+    <p:spTree>
+      <p:nvGrpSpPr>
+        <p:cNvPr id="1" name=""/>
+        <p:cNvGrpSpPr/>
+        <p:nvPr/>
+      </p:nvGrpSpPr>
+      <p:grpSpPr>
+        <a:xfrm>
+          <a:off x="0" y="0"/>
+          <a:ext cx="0" cy="0"/>
+          <a:chOff x="0" y="0"/>
+          <a:chExt cx="0" cy="0"/>
+        </a:xfrm>
+      </p:grpSpPr>
+      <p:sp>
+        <p:nvSpPr>
+          <p:cNvPr id="2" name="幻灯片图像占位符 1"/>
+          <p:cNvSpPr>
+            <a:spLocks noGrp="1" noRot="1" noChangeAspect="1"/>
+          </p:cNvSpPr>
+          <p:nvPr>
+            <p:ph type="sldImg"/>
+          </p:nvPr>
+        </p:nvSpPr>
+        <p:spPr/>
+      </p:sp>
+      <p:sp>
+        <p:nvSpPr>
+          <p:cNvPr id="3" name="备注占位符 2"/>
+          <p:cNvSpPr>
+            <a:spLocks noGrp="1"/>
+          </p:cNvSpPr>
+          <p:nvPr>
+            <p:ph type="body" idx="1"/>
+          </p:nvPr>
+        </p:nvSpPr>
+        <p:spPr/>
+        <p:txBody>
+          <a:bodyPr>
+            <a:normAutofit/>
+          </a:bodyPr>
+          <a:lstStyle/>
+          <a:p>
+            <a:endParaRPr lang="zh-CN" altLang="en-US" dirty="0"/>
+          </a:p>
+        </p:txBody>
+      </p:sp>
+      <p:sp>
+        <p:nvSpPr>
+          <p:cNvPr id="4" name="灯片编号占位符 3"/>
+          <p:cNvSpPr>
+            <a:spLocks noGrp="1"/>
+          </p:cNvSpPr>
+          <p:nvPr>
+            <p:ph type="sldNum" sz="quarter" idx="10"/>
+          </p:nvPr>
+        </p:nvSpPr>
+        <p:spPr/>
+        <p:txBody>
+          <a:bodyPr/>
+          <a:lstStyle/>
+          <a:p>
+            <a:fld id="{5A96EF8F-8F06-4F54-BB4E-BDAF92491FBC}" type="slidenum">
+              <a:rPr lang="zh-CN" altLang="en-US" smtClean="0"/>
+              <a:pPr/>
+              <a:t>38</a:t>
+            </a:fld>
+            <a:endParaRPr lang="zh-CN" altLang="en-US"/>
+          </a:p>
+        </p:txBody>
+      </p:sp>
+    </p:spTree>
+  </p:cSld>
+  <p:clrMapOvr>
+    <a:masterClrMapping/>
+  </p:clrMapOvr>
+</p:notes>
+</file>
+
 <file path=ppt/slideLayouts/slideLayout1.xml><?xml version="1.0" encoding="utf-8"?>
 <p:sldLayout xmlns:a="http://schemas.openxmlformats.org/drawingml/2006/main" xmlns:r="http://schemas.openxmlformats.org/officeDocument/2006/relationships" xmlns:p="http://schemas.openxmlformats.org/presentationml/2006/main" type="title" preserve="1">
   <p:cSld name="标题幻灯片">
@@ -331,7 +768,7 @@
             <a:fld id="{530820CF-B880-4189-942D-D702A7CBA730}" type="datetimeFigureOut">
               <a:rPr lang="zh-CN" altLang="en-US" smtClean="0"/>
               <a:pPr/>
-              <a:t>2019/7/9</a:t>
+              <a:t>2019/7/11</a:t>
             </a:fld>
             <a:endParaRPr lang="zh-CN" altLang="en-US"/>
           </a:p>
@@ -498,7 +935,7 @@
             <a:fld id="{530820CF-B880-4189-942D-D702A7CBA730}" type="datetimeFigureOut">
               <a:rPr lang="zh-CN" altLang="en-US" smtClean="0"/>
               <a:pPr/>
-              <a:t>2019/7/9</a:t>
+              <a:t>2019/7/11</a:t>
             </a:fld>
             <a:endParaRPr lang="zh-CN" altLang="en-US"/>
           </a:p>
@@ -675,7 +1112,7 @@
             <a:fld id="{530820CF-B880-4189-942D-D702A7CBA730}" type="datetimeFigureOut">
               <a:rPr lang="zh-CN" altLang="en-US" smtClean="0"/>
               <a:pPr/>
-              <a:t>2019/7/9</a:t>
+              <a:t>2019/7/11</a:t>
             </a:fld>
             <a:endParaRPr lang="zh-CN" altLang="en-US"/>
           </a:p>
@@ -842,7 +1279,7 @@
             <a:fld id="{530820CF-B880-4189-942D-D702A7CBA730}" type="datetimeFigureOut">
               <a:rPr lang="zh-CN" altLang="en-US" smtClean="0"/>
               <a:pPr/>
-              <a:t>2019/7/9</a:t>
+              <a:t>2019/7/11</a:t>
             </a:fld>
             <a:endParaRPr lang="zh-CN" altLang="en-US"/>
           </a:p>
@@ -1085,7 +1522,7 @@
             <a:fld id="{530820CF-B880-4189-942D-D702A7CBA730}" type="datetimeFigureOut">
               <a:rPr lang="zh-CN" altLang="en-US" smtClean="0"/>
               <a:pPr/>
-              <a:t>2019/7/9</a:t>
+              <a:t>2019/7/11</a:t>
             </a:fld>
             <a:endParaRPr lang="zh-CN" altLang="en-US"/>
           </a:p>
@@ -1370,7 +1807,7 @@
             <a:fld id="{530820CF-B880-4189-942D-D702A7CBA730}" type="datetimeFigureOut">
               <a:rPr lang="zh-CN" altLang="en-US" smtClean="0"/>
               <a:pPr/>
-              <a:t>2019/7/9</a:t>
+              <a:t>2019/7/11</a:t>
             </a:fld>
             <a:endParaRPr lang="zh-CN" altLang="en-US"/>
           </a:p>
@@ -1789,7 +2226,7 @@
             <a:fld id="{530820CF-B880-4189-942D-D702A7CBA730}" type="datetimeFigureOut">
               <a:rPr lang="zh-CN" altLang="en-US" smtClean="0"/>
               <a:pPr/>
-              <a:t>2019/7/9</a:t>
+              <a:t>2019/7/11</a:t>
             </a:fld>
             <a:endParaRPr lang="zh-CN" altLang="en-US"/>
           </a:p>
@@ -1904,7 +2341,7 @@
             <a:fld id="{530820CF-B880-4189-942D-D702A7CBA730}" type="datetimeFigureOut">
               <a:rPr lang="zh-CN" altLang="en-US" smtClean="0"/>
               <a:pPr/>
-              <a:t>2019/7/9</a:t>
+              <a:t>2019/7/11</a:t>
             </a:fld>
             <a:endParaRPr lang="zh-CN" altLang="en-US"/>
           </a:p>
@@ -1996,7 +2433,7 @@
             <a:fld id="{530820CF-B880-4189-942D-D702A7CBA730}" type="datetimeFigureOut">
               <a:rPr lang="zh-CN" altLang="en-US" smtClean="0"/>
               <a:pPr/>
-              <a:t>2019/7/9</a:t>
+              <a:t>2019/7/11</a:t>
             </a:fld>
             <a:endParaRPr lang="zh-CN" altLang="en-US"/>
           </a:p>
@@ -2270,7 +2707,7 @@
             <a:fld id="{530820CF-B880-4189-942D-D702A7CBA730}" type="datetimeFigureOut">
               <a:rPr lang="zh-CN" altLang="en-US" smtClean="0"/>
               <a:pPr/>
-              <a:t>2019/7/9</a:t>
+              <a:t>2019/7/11</a:t>
             </a:fld>
             <a:endParaRPr lang="zh-CN" altLang="en-US"/>
           </a:p>
@@ -2520,7 +2957,7 @@
             <a:fld id="{530820CF-B880-4189-942D-D702A7CBA730}" type="datetimeFigureOut">
               <a:rPr lang="zh-CN" altLang="en-US" smtClean="0"/>
               <a:pPr/>
-              <a:t>2019/7/9</a:t>
+              <a:t>2019/7/11</a:t>
             </a:fld>
             <a:endParaRPr lang="zh-CN" altLang="en-US"/>
           </a:p>
@@ -2730,7 +3167,7 @@
             <a:fld id="{530820CF-B880-4189-942D-D702A7CBA730}" type="datetimeFigureOut">
               <a:rPr lang="zh-CN" altLang="en-US" smtClean="0"/>
               <a:pPr/>
-              <a:t>2019/7/9</a:t>
+              <a:t>2019/7/11</a:t>
             </a:fld>
             <a:endParaRPr lang="zh-CN" altLang="en-US"/>
           </a:p>
@@ -5853,10 +6290,6 @@
               <a:rPr lang="en-US" altLang="zh-CN" dirty="0" smtClean="0"/>
               <a:t> </a:t>
             </a:r>
-            <a:r>
-              <a:rPr lang="en-US" altLang="zh-CN" dirty="0" smtClean="0"/>
-              <a:t/>
-            </a:r>
             <a:br>
               <a:rPr lang="en-US" altLang="zh-CN" dirty="0" smtClean="0"/>
             </a:br>
@@ -5954,11 +6387,7 @@
           <a:p>
             <a:r>
               <a:rPr lang="zh-CN" altLang="zh-CN" dirty="0" smtClean="0"/>
-              <a:t>本文提出的研究旨在根据经验分析模型在代码级别预测类的可测试性的</a:t>
-            </a:r>
-            <a:r>
-              <a:rPr lang="zh-CN" altLang="zh-CN" dirty="0" smtClean="0"/>
-              <a:t>能力</a:t>
+              <a:t>本文提出的研究旨在根据经验分析模型在代码级别预测类的可测试性的能力</a:t>
             </a:r>
             <a:endParaRPr lang="en-US" altLang="zh-CN" dirty="0" smtClean="0"/>
           </a:p>
@@ -5988,11 +6417,7 @@
             </a:r>
             <a:r>
               <a:rPr lang="zh-CN" altLang="zh-CN" dirty="0" smtClean="0"/>
-              <a:t>）</a:t>
-            </a:r>
-            <a:r>
-              <a:rPr lang="zh-CN" altLang="zh-CN" dirty="0" smtClean="0"/>
-              <a:t>：</a:t>
+              <a:t>）：</a:t>
             </a:r>
             <a:endParaRPr lang="en-US" altLang="zh-CN" dirty="0" smtClean="0"/>
           </a:p>
@@ -6038,11 +6463,7 @@
             </a:r>
             <a:r>
               <a:rPr lang="zh-CN" altLang="zh-CN" dirty="0" smtClean="0"/>
-              <a:t>使用</a:t>
-            </a:r>
-            <a:r>
-              <a:rPr lang="zh-CN" altLang="zh-CN" dirty="0" smtClean="0"/>
-              <a:t>以下源代码度量标准将此模型调整到</a:t>
+              <a:t>使用以下源代码度量标准将此模型调整到</a:t>
             </a:r>
             <a:r>
               <a:rPr lang="zh-CN" altLang="zh-CN" b="1" u="sng" dirty="0" smtClean="0"/>
@@ -6082,11 +6503,7 @@
             </a:r>
             <a:r>
               <a:rPr lang="zh-CN" altLang="zh-CN" dirty="0" smtClean="0"/>
-              <a:t>）的可测试性的计算公式</a:t>
-            </a:r>
-            <a:r>
-              <a:rPr lang="zh-CN" altLang="zh-CN" dirty="0" smtClean="0"/>
-              <a:t>：</a:t>
+              <a:t>）的可测试性的计算公式：</a:t>
             </a:r>
             <a:endParaRPr lang="en-US" altLang="zh-CN" dirty="0" smtClean="0"/>
           </a:p>
@@ -6112,11 +6529,7 @@
             </a:pPr>
             <a:r>
               <a:rPr lang="en-US" altLang="zh-CN" dirty="0" smtClean="0"/>
-              <a:t> </a:t>
-            </a:r>
-            <a:r>
-              <a:rPr lang="en-US" altLang="zh-CN" dirty="0" smtClean="0"/>
-              <a:t> </a:t>
+              <a:t>  </a:t>
             </a:r>
             <a:r>
               <a:rPr lang="zh-CN" altLang="en-US" dirty="0" smtClean="0"/>
@@ -6252,6 +6665,13 @@
   <p:clrMapOvr>
     <a:masterClrMapping/>
   </p:clrMapOvr>
+  <p:timing>
+    <p:tnLst>
+      <p:par>
+        <p:cTn id="1" dur="indefinite" restart="never" nodeType="tmRoot"/>
+      </p:par>
+    </p:tnLst>
+  </p:timing>
 </p:sld>
 </file>
 
@@ -6326,15 +6746,7 @@
             </a:r>
             <a:r>
               <a:rPr lang="zh-CN" altLang="zh-CN" dirty="0" smtClean="0"/>
-              <a:t>中</a:t>
-            </a:r>
-            <a:r>
-              <a:rPr lang="zh-CN" altLang="zh-CN" dirty="0" smtClean="0"/>
-              <a:t>提出了一些与可能影响可测试性的软件开发人员相关的因素和度量，例如，多年的编码经验和类似项目的先前经验开发</a:t>
-            </a:r>
-            <a:r>
-              <a:rPr lang="zh-CN" altLang="zh-CN" dirty="0" smtClean="0"/>
-              <a:t>。</a:t>
+              <a:t>中提出了一些与可能影响可测试性的软件开发人员相关的因素和度量，例如，多年的编码经验和类似项目的先前经验开发。</a:t>
             </a:r>
             <a:endParaRPr lang="en-US" altLang="zh-CN" dirty="0" smtClean="0"/>
           </a:p>
@@ -6344,15 +6756,7 @@
           <a:p>
             <a:r>
               <a:rPr lang="zh-CN" altLang="zh-CN" dirty="0" smtClean="0"/>
-              <a:t>可能</a:t>
-            </a:r>
-            <a:r>
-              <a:rPr lang="zh-CN" altLang="zh-CN" dirty="0" smtClean="0"/>
-              <a:t>影响可测试性的严格相关的软件开发人员</a:t>
-            </a:r>
-            <a:r>
-              <a:rPr lang="zh-CN" altLang="zh-CN" dirty="0" smtClean="0"/>
-              <a:t>因素</a:t>
+              <a:t>可能影响可测试性的严格相关的软件开发人员因素</a:t>
             </a:r>
             <a:r>
               <a:rPr lang="en-US" altLang="zh-CN" dirty="0" smtClean="0"/>
@@ -6367,11 +6771,7 @@
             </a:pPr>
             <a:r>
               <a:rPr lang="zh-CN" altLang="zh-CN" dirty="0" smtClean="0"/>
-              <a:t>多年</a:t>
-            </a:r>
-            <a:r>
-              <a:rPr lang="zh-CN" altLang="zh-CN" dirty="0" smtClean="0"/>
-              <a:t>的编码经验</a:t>
+              <a:t>多年的编码经验</a:t>
             </a:r>
           </a:p>
           <a:p>
@@ -6381,11 +6781,7 @@
             </a:pPr>
             <a:r>
               <a:rPr lang="zh-CN" altLang="zh-CN" dirty="0" smtClean="0"/>
-              <a:t>开发</a:t>
-            </a:r>
-            <a:r>
-              <a:rPr lang="zh-CN" altLang="zh-CN" dirty="0" smtClean="0"/>
-              <a:t>时间</a:t>
+              <a:t>开发时间</a:t>
             </a:r>
           </a:p>
           <a:p>
@@ -6395,11 +6791,7 @@
             </a:pPr>
             <a:r>
               <a:rPr lang="zh-CN" altLang="zh-CN" dirty="0" smtClean="0"/>
-              <a:t>类似</a:t>
-            </a:r>
-            <a:r>
-              <a:rPr lang="zh-CN" altLang="zh-CN" dirty="0" smtClean="0"/>
-              <a:t>项目的先前开发经验</a:t>
+              <a:t>类似项目的先前开发经验</a:t>
             </a:r>
           </a:p>
           <a:p>
@@ -6409,11 +6801,7 @@
             </a:pPr>
             <a:r>
               <a:rPr lang="zh-CN" altLang="zh-CN" dirty="0" smtClean="0"/>
-              <a:t>对</a:t>
-            </a:r>
-            <a:r>
-              <a:rPr lang="zh-CN" altLang="zh-CN" dirty="0" smtClean="0"/>
-              <a:t>主要使用编程语言的信心</a:t>
+              <a:t>对主要使用编程语言的信心</a:t>
             </a:r>
           </a:p>
           <a:p>
@@ -6423,11 +6811,7 @@
             </a:pPr>
             <a:r>
               <a:rPr lang="zh-CN" altLang="zh-CN" dirty="0" smtClean="0"/>
-              <a:t>工作</a:t>
-            </a:r>
-            <a:r>
-              <a:rPr lang="zh-CN" altLang="zh-CN" dirty="0" smtClean="0"/>
-              <a:t>的努力程度</a:t>
+              <a:t>工作的努力程度</a:t>
             </a:r>
           </a:p>
           <a:p>
@@ -6446,6 +6830,13 @@
   <p:clrMapOvr>
     <a:masterClrMapping/>
   </p:clrMapOvr>
+  <p:timing>
+    <p:tnLst>
+      <p:par>
+        <p:cTn id="1" dur="indefinite" restart="never" nodeType="tmRoot"/>
+      </p:par>
+    </p:tnLst>
+  </p:timing>
 </p:sld>
 </file>
 
@@ -6547,6 +6938,13 @@
   <p:clrMapOvr>
     <a:masterClrMapping/>
   </p:clrMapOvr>
+  <p:timing>
+    <p:tnLst>
+      <p:par>
+        <p:cTn id="1" dur="indefinite" restart="never" nodeType="tmRoot"/>
+      </p:par>
+    </p:tnLst>
+  </p:timing>
 </p:sld>
 </file>
 
@@ -6617,11 +7015,7 @@
             </a:r>
             <a:r>
               <a:rPr lang="zh-CN" altLang="zh-CN" sz="2000" dirty="0" smtClean="0"/>
-              <a:t>报告</a:t>
-            </a:r>
-            <a:r>
-              <a:rPr lang="zh-CN" altLang="zh-CN" sz="2000" dirty="0" smtClean="0"/>
-              <a:t>了一个关于类可测试性和运行时属性之间关系的案例研究，例如动态耦合度量（例如，导入耦合和导出耦合）。该案例研究是在四个开源项目中进行的。通过测试</a:t>
+              <a:t>报告了一个关于类可测试性和运行时属性之间关系的案例研究，例如动态耦合度量（例如，导入耦合和导出耦合）。该案例研究是在四个开源项目中进行的。通过测试</a:t>
             </a:r>
             <a:r>
               <a:rPr lang="en-US" altLang="zh-CN" sz="2000" dirty="0" smtClean="0"/>
@@ -6650,19 +7044,7 @@
           <a:p>
             <a:r>
               <a:rPr lang="zh-CN" altLang="zh-CN" sz="2000" dirty="0" smtClean="0"/>
-              <a:t>这</a:t>
-            </a:r>
-            <a:r>
-              <a:rPr lang="zh-CN" altLang="zh-CN" sz="2000" dirty="0" smtClean="0"/>
-              <a:t>项</a:t>
-            </a:r>
-            <a:r>
-              <a:rPr lang="zh-CN" altLang="zh-CN" sz="2000" dirty="0" smtClean="0"/>
-              <a:t>工作提出</a:t>
-            </a:r>
-            <a:r>
-              <a:rPr lang="zh-CN" altLang="zh-CN" sz="2000" dirty="0" smtClean="0"/>
-              <a:t>了对运行时属性（动态耦合和关键类</a:t>
+              <a:t>这项工作提出了对运行时属性（动态耦合和关键类</a:t>
             </a:r>
             <a:r>
               <a:rPr lang="en-US" altLang="zh-CN" sz="2000" dirty="0" smtClean="0"/>
@@ -6682,11 +7064,7 @@
             </a:r>
             <a:r>
               <a:rPr lang="zh-CN" altLang="zh-CN" sz="2000" dirty="0" smtClean="0"/>
-              <a:t>）与类可测试性之间可能关系的实证研究结果</a:t>
-            </a:r>
-            <a:r>
-              <a:rPr lang="zh-CN" altLang="zh-CN" sz="2000" dirty="0" smtClean="0"/>
-              <a:t>。</a:t>
+              <a:t>）与类可测试性之间可能关系的实证研究结果。</a:t>
             </a:r>
             <a:r>
               <a:rPr lang="zh-CN" altLang="en-US" sz="2000" dirty="0" smtClean="0"/>
@@ -6694,11 +7072,7 @@
             </a:r>
             <a:r>
               <a:rPr lang="zh-CN" altLang="zh-CN" sz="2000" dirty="0" smtClean="0"/>
-              <a:t>使用</a:t>
-            </a:r>
-            <a:r>
-              <a:rPr lang="zh-CN" altLang="zh-CN" sz="2000" dirty="0" smtClean="0"/>
-              <a:t>动态指标测量这两个属性，并认为使用动态指标收集的数据比使用静态指标收集的数据更广泛，更精确。</a:t>
+              <a:t>使用动态指标测量这两个属性，并认为使用动态指标收集的数据比使用静态指标收集的数据更广泛，更精确。</a:t>
             </a:r>
             <a:endParaRPr lang="zh-CN" altLang="en-US" sz="2000" dirty="0"/>
           </a:p>
@@ -6985,11 +7359,7 @@
             </a:r>
             <a:r>
               <a:rPr lang="en-US" altLang="zh-CN" b="1" dirty="0" smtClean="0"/>
-              <a:t>Dynamic Coupling </a:t>
-            </a:r>
-            <a:r>
-              <a:rPr lang="en-US" altLang="zh-CN" b="1" dirty="0" smtClean="0"/>
-              <a:t>Metrics</a:t>
+              <a:t>Dynamic Coupling Metrics</a:t>
             </a:r>
           </a:p>
           <a:p>
@@ -7016,19 +7386,11 @@
             </a:r>
             <a:r>
               <a:rPr lang="zh-CN" altLang="en-US" dirty="0" smtClean="0"/>
-              <a:t>测量一个类从系统中的其他类接收的方法调用的</a:t>
-            </a:r>
-            <a:r>
-              <a:rPr lang="zh-CN" altLang="en-US" dirty="0" smtClean="0"/>
-              <a:t>数量</a:t>
-            </a:r>
-            <a:r>
-              <a:rPr lang="zh-CN" altLang="zh-CN" dirty="0" smtClean="0"/>
-              <a:t>（</a:t>
-            </a:r>
-            <a:r>
-              <a:rPr lang="zh-CN" altLang="zh-CN" dirty="0" smtClean="0"/>
-              <a:t>即，一个类调用了其他类的方法数量）。</a:t>
+              <a:t>测量一个类从系统中的其他类接收的方法调用的数量</a:t>
+            </a:r>
+            <a:r>
+              <a:rPr lang="zh-CN" altLang="zh-CN" dirty="0" smtClean="0"/>
+              <a:t>（即，一个类调用了其他类的方法数量）。</a:t>
             </a:r>
             <a:endParaRPr lang="en-US" altLang="zh-CN" dirty="0" smtClean="0"/>
           </a:p>
@@ -7060,27 +7422,11 @@
             </a:r>
             <a:r>
               <a:rPr lang="zh-CN" altLang="en-US" dirty="0" smtClean="0"/>
-              <a:t>测量从类发送</a:t>
-            </a:r>
-            <a:r>
-              <a:rPr lang="zh-CN" altLang="en-US" dirty="0" smtClean="0"/>
-              <a:t>到系统</a:t>
-            </a:r>
-            <a:r>
-              <a:rPr lang="zh-CN" altLang="en-US" dirty="0" smtClean="0"/>
-              <a:t>中其他类的方法调用的</a:t>
-            </a:r>
-            <a:r>
-              <a:rPr lang="zh-CN" altLang="en-US" dirty="0" smtClean="0"/>
-              <a:t>数量</a:t>
-            </a:r>
-            <a:r>
-              <a:rPr lang="zh-CN" altLang="zh-CN" dirty="0" smtClean="0"/>
-              <a:t>（即，一个类的方法被其他类调用的数量</a:t>
-            </a:r>
-            <a:r>
-              <a:rPr lang="zh-CN" altLang="zh-CN" dirty="0" smtClean="0"/>
-              <a:t>）</a:t>
+              <a:t>测量从类发送到系统中其他类的方法调用的数量</a:t>
+            </a:r>
+            <a:r>
+              <a:rPr lang="zh-CN" altLang="zh-CN" dirty="0" smtClean="0"/>
+              <a:t>（即，一个类的方法被其他类调用的数量）</a:t>
             </a:r>
             <a:r>
               <a:rPr lang="zh-CN" altLang="en-US" dirty="0" smtClean="0"/>
@@ -7095,6 +7441,13 @@
   <p:clrMapOvr>
     <a:masterClrMapping/>
   </p:clrMapOvr>
+  <p:timing>
+    <p:tnLst>
+      <p:par>
+        <p:cTn id="1" dur="indefinite" restart="never" nodeType="tmRoot"/>
+      </p:par>
+    </p:tnLst>
+  </p:timing>
 </p:sld>
 </file>
 
@@ -7173,7 +7526,6 @@
               <a:rPr lang="en-US" altLang="zh-CN" b="1" dirty="0" smtClean="0"/>
               <a:t>Key Classes Metrics</a:t>
             </a:r>
-            <a:endParaRPr lang="en-US" altLang="zh-CN" b="1" dirty="0" smtClean="0"/>
           </a:p>
           <a:p>
             <a:pPr lvl="1"/>
@@ -7183,23 +7535,7 @@
             </a:r>
             <a:r>
               <a:rPr lang="zh-CN" altLang="zh-CN" dirty="0" smtClean="0"/>
-              <a:t>具有</a:t>
-            </a:r>
-            <a:r>
-              <a:rPr lang="zh-CN" altLang="zh-CN" dirty="0" smtClean="0"/>
-              <a:t>更高执行</a:t>
-            </a:r>
-            <a:r>
-              <a:rPr lang="zh-CN" altLang="zh-CN" dirty="0" smtClean="0"/>
-              <a:t>频率</a:t>
-            </a:r>
-            <a:r>
-              <a:rPr lang="zh-CN" altLang="zh-CN" dirty="0" smtClean="0"/>
-              <a:t>的类</a:t>
-            </a:r>
-            <a:r>
-              <a:rPr lang="zh-CN" altLang="zh-CN" dirty="0" smtClean="0"/>
-              <a:t>（</a:t>
+              <a:t>具有更高执行频率的类（</a:t>
             </a:r>
             <a:r>
               <a:rPr lang="en-US" altLang="zh-CN" dirty="0" smtClean="0"/>
@@ -7211,11 +7547,7 @@
             </a:r>
             <a:r>
               <a:rPr lang="en-US" altLang="zh-CN" dirty="0" smtClean="0"/>
-              <a:t>Execution </a:t>
-            </a:r>
-            <a:r>
-              <a:rPr lang="en-US" altLang="zh-CN" dirty="0" smtClean="0"/>
-              <a:t>Frequency)</a:t>
+              <a:t>Execution Frequency)</a:t>
             </a:r>
           </a:p>
           <a:p>
@@ -7250,15 +7582,7 @@
             </a:r>
             <a:r>
               <a:rPr lang="zh-CN" altLang="zh-CN" dirty="0" smtClean="0"/>
-              <a:t>中</a:t>
-            </a:r>
-            <a:r>
-              <a:rPr lang="zh-CN" altLang="zh-CN" dirty="0" smtClean="0"/>
-              <a:t>方法的执行</a:t>
-            </a:r>
-            <a:r>
-              <a:rPr lang="zh-CN" altLang="zh-CN" dirty="0" smtClean="0"/>
-              <a:t>次数</a:t>
+              <a:t>中方法的执行次数</a:t>
             </a:r>
             <a:r>
               <a:rPr lang="zh-CN" altLang="en-US" dirty="0" smtClean="0"/>
@@ -7292,15 +7616,7 @@
             </a:r>
             <a:r>
               <a:rPr lang="zh-CN" altLang="zh-CN" dirty="0" smtClean="0"/>
-              <a:t>中</a:t>
-            </a:r>
-            <a:r>
-              <a:rPr lang="zh-CN" altLang="zh-CN" dirty="0" smtClean="0"/>
-              <a:t>执行的方法的</a:t>
-            </a:r>
-            <a:r>
-              <a:rPr lang="zh-CN" altLang="zh-CN" dirty="0" smtClean="0"/>
-              <a:t>数量</a:t>
+              <a:t>中执行的方法的数量</a:t>
             </a:r>
             <a:r>
               <a:rPr lang="zh-CN" altLang="en-US" dirty="0" smtClean="0"/>
@@ -7314,11 +7630,7 @@
             </a:pPr>
             <a:r>
               <a:rPr lang="en-US" altLang="zh-CN" dirty="0" smtClean="0"/>
-              <a:t> </a:t>
-            </a:r>
-            <a:r>
-              <a:rPr lang="en-US" altLang="zh-CN" dirty="0" smtClean="0"/>
-              <a:t>	EF</a:t>
+              <a:t> 	EF</a:t>
             </a:r>
             <a:r>
               <a:rPr lang="zh-CN" altLang="zh-CN" dirty="0" smtClean="0"/>
@@ -7330,11 +7642,7 @@
             </a:r>
             <a:r>
               <a:rPr lang="zh-CN" altLang="zh-CN" dirty="0" smtClean="0"/>
-              <a:t>）</a:t>
-            </a:r>
-            <a:r>
-              <a:rPr lang="zh-CN" altLang="zh-CN" dirty="0" smtClean="0"/>
-              <a:t>为类</a:t>
+              <a:t>）为类</a:t>
             </a:r>
             <a:r>
               <a:rPr lang="en-US" altLang="zh-CN" dirty="0" smtClean="0"/>
@@ -7350,11 +7658,7 @@
             </a:r>
             <a:r>
               <a:rPr lang="zh-CN" altLang="zh-CN" dirty="0" smtClean="0"/>
-              <a:t>的</a:t>
-            </a:r>
-            <a:r>
-              <a:rPr lang="zh-CN" altLang="zh-CN" dirty="0" smtClean="0"/>
-              <a:t>执行次数</a:t>
+              <a:t>的执行次数</a:t>
             </a:r>
             <a:endParaRPr lang="zh-CN" altLang="en-US" dirty="0"/>
           </a:p>
@@ -7395,6 +7699,13 @@
   <p:clrMapOvr>
     <a:masterClrMapping/>
   </p:clrMapOvr>
+  <p:timing>
+    <p:tnLst>
+      <p:par>
+        <p:cTn id="1" dur="indefinite" restart="never" nodeType="tmRoot"/>
+      </p:par>
+    </p:tnLst>
+  </p:timing>
 </p:sld>
 </file>
 
@@ -7528,29 +7839,7 @@
             <a:pPr lvl="1"/>
             <a:r>
               <a:rPr lang="zh-CN" altLang="en-US" sz="1900" dirty="0" smtClean="0"/>
-              <a:t>大比例的论文（</a:t>
-            </a:r>
-            <a:r>
-              <a:rPr lang="en-US" altLang="zh-CN" sz="1900" dirty="0" smtClean="0"/>
-              <a:t>64</a:t>
-            </a:r>
-            <a:r>
-              <a:rPr lang="zh-CN" altLang="en-US" sz="1900" dirty="0" smtClean="0"/>
-              <a:t>％）提出了方法或指标用于定量或定性测量，估计和可测试性</a:t>
-            </a:r>
-            <a:endParaRPr lang="en-US" altLang="zh-CN" sz="1900" dirty="0" smtClean="0"/>
-          </a:p>
-          <a:p>
-            <a:pPr lvl="1">
-              <a:buNone/>
-            </a:pPr>
-            <a:r>
-              <a:rPr lang="en-US" altLang="zh-CN" sz="1900" dirty="0" smtClean="0"/>
-              <a:t> 	</a:t>
-            </a:r>
-            <a:r>
-              <a:rPr lang="zh-CN" altLang="en-US" sz="1900" dirty="0" smtClean="0"/>
-              <a:t>预测。</a:t>
+              <a:t>提出了方法或指标用于定量或定性测量，估计和可测试性预测。</a:t>
             </a:r>
             <a:endParaRPr lang="en-US" altLang="zh-CN" sz="1900" dirty="0" smtClean="0"/>
           </a:p>
@@ -7685,17 +7974,12 @@
               <a:rPr lang="en-US" altLang="zh-CN" b="1" dirty="0" smtClean="0"/>
               <a:t>Class Testability Measures</a:t>
             </a:r>
-            <a:endParaRPr lang="en-US" altLang="zh-CN" b="1" dirty="0" smtClean="0"/>
           </a:p>
           <a:p>
             <a:pPr lvl="1"/>
             <a:r>
               <a:rPr lang="zh-CN" altLang="zh-CN" dirty="0" smtClean="0"/>
-              <a:t>在这项工作中，我们利用两个静态指标来衡量单位测试</a:t>
-            </a:r>
-            <a:r>
-              <a:rPr lang="zh-CN" altLang="zh-CN" dirty="0" smtClean="0"/>
-              <a:t>特征</a:t>
+              <a:t>在这项工作中，我们利用两个静态指标来衡量单位测试特征</a:t>
             </a:r>
             <a:r>
               <a:rPr lang="en-US" altLang="zh-CN" dirty="0" smtClean="0"/>
@@ -7741,6 +8025,13 @@
   <p:clrMapOvr>
     <a:masterClrMapping/>
   </p:clrMapOvr>
+  <p:timing>
+    <p:tnLst>
+      <p:par>
+        <p:cTn id="1" dur="indefinite" restart="never" nodeType="tmRoot"/>
+      </p:par>
+    </p:tnLst>
+  </p:timing>
 </p:sld>
 </file>
 
@@ -7781,8 +8072,8 @@
               <a:buChar char="Ø"/>
             </a:pPr>
             <a:r>
-              <a:rPr lang="en-US" altLang="zh-CN" b="1" dirty="0" smtClean="0"/>
-              <a:t> Discussion</a:t>
+              <a:rPr lang="en-US" altLang="zh-CN" dirty="0" smtClean="0"/>
+              <a:t> Results</a:t>
             </a:r>
             <a:endParaRPr lang="zh-CN" altLang="en-US" dirty="0"/>
           </a:p>
@@ -7800,152 +8091,121 @@
         </p:nvSpPr>
         <p:spPr/>
         <p:txBody>
-          <a:bodyPr>
-            <a:normAutofit fontScale="92500" lnSpcReduction="10000"/>
+          <a:bodyPr/>
+          <a:lstStyle/>
+          <a:p>
+            <a:endParaRPr lang="zh-CN" altLang="en-US" dirty="0"/>
+          </a:p>
+        </p:txBody>
+      </p:sp>
+      <p:pic>
+        <p:nvPicPr>
+          <p:cNvPr id="1026" name="Picture 2"/>
+          <p:cNvPicPr>
+            <a:picLocks noChangeAspect="1" noChangeArrowheads="1"/>
+          </p:cNvPicPr>
+          <p:nvPr/>
+        </p:nvPicPr>
+        <p:blipFill>
+          <a:blip r:embed="rId2" cstate="print"/>
+          <a:srcRect/>
+          <a:stretch>
+            <a:fillRect/>
+          </a:stretch>
+        </p:blipFill>
+        <p:spPr bwMode="auto">
+          <a:xfrm>
+            <a:off x="899592" y="1556792"/>
+            <a:ext cx="7256463" cy="3238500"/>
+          </a:xfrm>
+          <a:prstGeom prst="rect">
+            <a:avLst/>
+          </a:prstGeom>
+          <a:noFill/>
+          <a:ln w="9525">
+            <a:noFill/>
+            <a:miter lim="800000"/>
+            <a:headEnd/>
+            <a:tailEnd/>
+          </a:ln>
+        </p:spPr>
+      </p:pic>
+      <p:sp>
+        <p:nvSpPr>
+          <p:cNvPr id="5" name="矩形 4"/>
+          <p:cNvSpPr/>
+          <p:nvPr/>
+        </p:nvSpPr>
+        <p:spPr>
+          <a:xfrm>
+            <a:off x="611560" y="5085184"/>
+            <a:ext cx="7992888" cy="923330"/>
+          </a:xfrm>
+          <a:prstGeom prst="rect">
+            <a:avLst/>
+          </a:prstGeom>
+        </p:spPr>
+        <p:txBody>
+          <a:bodyPr wrap="square">
+            <a:spAutoFit/>
           </a:bodyPr>
           <a:lstStyle/>
           <a:p>
             <a:r>
-              <a:rPr lang="en-US" altLang="zh-CN" sz="2800" b="1" dirty="0" smtClean="0"/>
-              <a:t>RQ1</a:t>
-            </a:r>
-            <a:r>
-              <a:rPr lang="en-US" altLang="zh-CN" sz="2800" dirty="0" smtClean="0"/>
-              <a:t>: </a:t>
-            </a:r>
-            <a:r>
-              <a:rPr lang="zh-CN" altLang="zh-CN" sz="2800" dirty="0" smtClean="0"/>
-              <a:t>类的动态耦合是否与其相应的测试类</a:t>
-            </a:r>
-            <a:r>
-              <a:rPr lang="en-US" altLang="zh-CN" sz="2800" dirty="0" smtClean="0"/>
-              <a:t>/</a:t>
-            </a:r>
-            <a:r>
-              <a:rPr lang="zh-CN" altLang="zh-CN" sz="2800" dirty="0" smtClean="0"/>
-              <a:t>单元的类可测性显着相关？</a:t>
-            </a:r>
-          </a:p>
-          <a:p>
-            <a:r>
-              <a:rPr lang="en-US" altLang="zh-CN" sz="2800" b="1" dirty="0" smtClean="0"/>
-              <a:t>RQ2</a:t>
-            </a:r>
-            <a:r>
-              <a:rPr lang="en-US" altLang="zh-CN" sz="2800" dirty="0" smtClean="0"/>
-              <a:t>: </a:t>
-            </a:r>
-            <a:r>
-              <a:rPr lang="zh-CN" altLang="zh-CN" sz="2800" dirty="0" smtClean="0"/>
-              <a:t>关键类是否与其相应测试类</a:t>
-            </a:r>
-            <a:r>
-              <a:rPr lang="en-US" altLang="zh-CN" sz="2800" dirty="0" smtClean="0"/>
-              <a:t>/</a:t>
-            </a:r>
-            <a:r>
-              <a:rPr lang="zh-CN" altLang="zh-CN" sz="2800" dirty="0" smtClean="0"/>
-              <a:t>单元的类可测试性显着相关？</a:t>
-            </a:r>
-          </a:p>
-          <a:p>
-            <a:r>
-              <a:rPr lang="zh-CN" altLang="zh-CN" sz="2800" dirty="0" smtClean="0"/>
-              <a:t>调查以下两个研究假设来回答研究问题：</a:t>
-            </a:r>
-          </a:p>
-          <a:p>
-            <a:r>
-              <a:rPr lang="en-US" altLang="zh-CN" sz="2800" b="1" dirty="0" smtClean="0"/>
-              <a:t>H0</a:t>
-            </a:r>
-            <a:r>
-              <a:rPr lang="en-US" altLang="zh-CN" sz="2800" dirty="0" smtClean="0"/>
-              <a:t>: </a:t>
-            </a:r>
-            <a:r>
-              <a:rPr lang="zh-CN" altLang="zh-CN" sz="2800" dirty="0" smtClean="0"/>
-              <a:t>动态耦合与类可测性具有显着相关性。</a:t>
-            </a:r>
-            <a:r>
-              <a:rPr lang="en-US" altLang="zh-CN" sz="2800" dirty="0" smtClean="0"/>
-              <a:t>     </a:t>
-            </a:r>
-            <a:r>
-              <a:rPr lang="zh-CN" altLang="zh-CN" sz="2800" b="1" dirty="0" smtClean="0"/>
-              <a:t>√</a:t>
-            </a:r>
-            <a:endParaRPr lang="zh-CN" altLang="zh-CN" sz="2800" dirty="0" smtClean="0"/>
-          </a:p>
-          <a:p>
-            <a:r>
-              <a:rPr lang="en-US" altLang="zh-CN" sz="2800" b="1" dirty="0" smtClean="0"/>
-              <a:t>H1</a:t>
-            </a:r>
-            <a:r>
-              <a:rPr lang="en-US" altLang="zh-CN" sz="2800" dirty="0" smtClean="0"/>
-              <a:t>: </a:t>
-            </a:r>
-            <a:r>
-              <a:rPr lang="zh-CN" altLang="zh-CN" sz="2800" dirty="0" smtClean="0"/>
-              <a:t>关键类与类可测试性有显着的相关性。</a:t>
-            </a:r>
-            <a:r>
-              <a:rPr lang="en-US" altLang="zh-CN" sz="2800" dirty="0" smtClean="0"/>
-              <a:t>     </a:t>
-            </a:r>
-            <a:r>
-              <a:rPr lang="zh-CN" altLang="zh-CN" sz="2800" b="1" dirty="0" smtClean="0"/>
-              <a:t>√</a:t>
-            </a:r>
-            <a:endParaRPr lang="zh-CN" altLang="zh-CN" sz="2800" dirty="0" smtClean="0"/>
-          </a:p>
-          <a:p>
-            <a:r>
-              <a:rPr lang="zh-CN" altLang="zh-CN" sz="2800" dirty="0" smtClean="0"/>
-              <a:t>相应的空假设是：</a:t>
-            </a:r>
-          </a:p>
-          <a:p>
-            <a:r>
-              <a:rPr lang="en-US" altLang="zh-CN" sz="2800" b="1" dirty="0" smtClean="0"/>
-              <a:t>H2</a:t>
-            </a:r>
-            <a:r>
-              <a:rPr lang="zh-CN" altLang="zh-CN" sz="2800" dirty="0" smtClean="0"/>
-              <a:t>：动态耦合与类可测性度量没有显着的相关性</a:t>
-            </a:r>
-            <a:r>
-              <a:rPr lang="en-US" altLang="zh-CN" sz="2800" dirty="0" smtClean="0"/>
-              <a:t>. </a:t>
-            </a:r>
-            <a:r>
-              <a:rPr lang="zh-CN" altLang="zh-CN" sz="2800" b="1" dirty="0" smtClean="0"/>
-              <a:t>×</a:t>
-            </a:r>
-            <a:endParaRPr lang="zh-CN" altLang="zh-CN" sz="2800" dirty="0" smtClean="0"/>
-          </a:p>
-          <a:p>
-            <a:r>
-              <a:rPr lang="en-US" altLang="zh-CN" sz="2800" b="1" dirty="0" smtClean="0"/>
-              <a:t>H3</a:t>
-            </a:r>
-            <a:r>
-              <a:rPr lang="zh-CN" altLang="zh-CN" sz="2800" dirty="0" smtClean="0"/>
-              <a:t>：关键类与类可测性没有显着的相关性。</a:t>
-            </a:r>
-            <a:r>
-              <a:rPr lang="en-US" altLang="zh-CN" sz="2800" dirty="0" smtClean="0"/>
-              <a:t>       </a:t>
-            </a:r>
-            <a:r>
-              <a:rPr lang="zh-CN" altLang="zh-CN" sz="2800" b="1" dirty="0" smtClean="0"/>
-              <a:t>×</a:t>
-            </a:r>
-            <a:endParaRPr lang="zh-CN" altLang="zh-CN" sz="2800" dirty="0" smtClean="0"/>
-          </a:p>
-          <a:p>
-            <a:endParaRPr lang="zh-CN" altLang="en-US" dirty="0"/>
+              <a:rPr lang="zh-CN" altLang="en-US" dirty="0" smtClean="0"/>
+              <a:t>其中，当</a:t>
+            </a:r>
+            <a:r>
+              <a:rPr lang="en-US" altLang="zh-CN" dirty="0" smtClean="0"/>
+              <a:t>r = 0</a:t>
+            </a:r>
+            <a:r>
+              <a:rPr lang="zh-CN" altLang="en-US" dirty="0" smtClean="0"/>
+              <a:t>时变量是独立的，当</a:t>
+            </a:r>
+            <a:r>
+              <a:rPr lang="en-US" altLang="zh-CN" dirty="0" smtClean="0"/>
+              <a:t>r &lt;0.3</a:t>
+            </a:r>
+            <a:r>
+              <a:rPr lang="zh-CN" altLang="en-US" dirty="0" smtClean="0"/>
+              <a:t>时存在低直接关联，当</a:t>
+            </a:r>
+            <a:r>
+              <a:rPr lang="en-US" altLang="zh-CN" dirty="0" smtClean="0"/>
+              <a:t>0.3≤r&lt;0.5</a:t>
+            </a:r>
+            <a:r>
+              <a:rPr lang="zh-CN" altLang="en-US" dirty="0" smtClean="0"/>
+              <a:t>时存在中直接关联，而当</a:t>
+            </a:r>
+            <a:r>
+              <a:rPr lang="en-US" altLang="zh-CN" dirty="0" smtClean="0"/>
+              <a:t>0.5≤r</a:t>
+            </a:r>
+            <a:r>
+              <a:rPr lang="zh-CN" altLang="en-US" dirty="0" smtClean="0"/>
+              <a:t>时存在高直接关联。</a:t>
+            </a:r>
+            <a:endParaRPr lang="en-US" altLang="zh-CN" dirty="0" smtClean="0"/>
+          </a:p>
+          <a:p>
+            <a:r>
+              <a:rPr lang="en-US" altLang="zh-CN" dirty="0" smtClean="0"/>
+              <a:t>p</a:t>
+            </a:r>
+            <a:r>
+              <a:rPr lang="zh-CN" altLang="en-US" dirty="0" smtClean="0"/>
+              <a:t>值代表关系的统计显着性。我们认为在</a:t>
+            </a:r>
+            <a:r>
+              <a:rPr lang="en-US" altLang="zh-CN" dirty="0" smtClean="0"/>
+              <a:t>p≤0.05</a:t>
+            </a:r>
+            <a:r>
+              <a:rPr lang="zh-CN" altLang="en-US" dirty="0" smtClean="0"/>
+              <a:t>时，关联具有统计学意义。</a:t>
+            </a:r>
           </a:p>
         </p:txBody>
       </p:sp>
@@ -7954,6 +8214,13 @@
   <p:clrMapOvr>
     <a:masterClrMapping/>
   </p:clrMapOvr>
+  <p:timing>
+    <p:tnLst>
+      <p:par>
+        <p:cTn id="1" dur="indefinite" restart="never" nodeType="tmRoot"/>
+      </p:par>
+    </p:tnLst>
+  </p:timing>
 </p:sld>
 </file>
 
@@ -7981,80 +8248,89 @@
             <a:spLocks noGrp="1"/>
           </p:cNvSpPr>
           <p:nvPr>
-            <p:ph type="ctrTitle"/>
-          </p:nvPr>
-        </p:nvSpPr>
-        <p:spPr>
+            <p:ph type="title"/>
+          </p:nvPr>
+        </p:nvSpPr>
+        <p:spPr/>
+        <p:txBody>
+          <a:bodyPr/>
+          <a:lstStyle/>
+          <a:p>
+            <a:pPr algn="l">
+              <a:buFont typeface="Wingdings" pitchFamily="2" charset="2"/>
+              <a:buChar char="Ø"/>
+            </a:pPr>
+            <a:r>
+              <a:rPr lang="en-US" altLang="zh-CN" dirty="0" smtClean="0"/>
+              <a:t>  Results</a:t>
+            </a:r>
+            <a:endParaRPr lang="zh-CN" altLang="en-US" dirty="0"/>
+          </a:p>
+        </p:txBody>
+      </p:sp>
+      <p:sp>
+        <p:nvSpPr>
+          <p:cNvPr id="3" name="内容占位符 2"/>
+          <p:cNvSpPr>
+            <a:spLocks noGrp="1"/>
+          </p:cNvSpPr>
+          <p:nvPr>
+            <p:ph idx="1"/>
+          </p:nvPr>
+        </p:nvSpPr>
+        <p:spPr/>
+        <p:txBody>
+          <a:bodyPr/>
+          <a:lstStyle/>
+          <a:p>
+            <a:endParaRPr lang="zh-CN" altLang="en-US" dirty="0"/>
+          </a:p>
+        </p:txBody>
+      </p:sp>
+      <p:pic>
+        <p:nvPicPr>
+          <p:cNvPr id="2050" name="Picture 2"/>
+          <p:cNvPicPr>
+            <a:picLocks noChangeAspect="1" noChangeArrowheads="1"/>
+          </p:cNvPicPr>
+          <p:nvPr/>
+        </p:nvPicPr>
+        <p:blipFill>
+          <a:blip r:embed="rId2" cstate="print"/>
+          <a:srcRect/>
+          <a:stretch>
+            <a:fillRect/>
+          </a:stretch>
+        </p:blipFill>
+        <p:spPr bwMode="auto">
           <a:xfrm>
-            <a:off x="685800" y="1124745"/>
-            <a:ext cx="7772400" cy="2475706"/>
+            <a:off x="1115616" y="2204864"/>
+            <a:ext cx="6592847" cy="2448272"/>
           </a:xfrm>
+          <a:prstGeom prst="rect">
+            <a:avLst/>
+          </a:prstGeom>
+          <a:noFill/>
+          <a:ln w="9525">
+            <a:noFill/>
+            <a:miter lim="800000"/>
+            <a:headEnd/>
+            <a:tailEnd/>
+          </a:ln>
         </p:spPr>
-        <p:txBody>
-          <a:bodyPr>
-            <a:normAutofit fontScale="90000"/>
-          </a:bodyPr>
-          <a:lstStyle/>
-          <a:p>
-            <a:r>
-              <a:rPr lang="en-US" altLang="zh-CN" dirty="0" smtClean="0"/>
-              <a:t>Empirical Analysis for Investigating the Effect of Control Flow Dependencies on Testability of Classes</a:t>
-            </a:r>
-            <a:endParaRPr lang="zh-CN" altLang="en-US" dirty="0"/>
-          </a:p>
-        </p:txBody>
-      </p:sp>
-      <p:sp>
-        <p:nvSpPr>
-          <p:cNvPr id="3" name="副标题 2"/>
-          <p:cNvSpPr>
-            <a:spLocks noGrp="1"/>
-          </p:cNvSpPr>
-          <p:nvPr>
-            <p:ph type="subTitle" idx="1"/>
-          </p:nvPr>
-        </p:nvSpPr>
-        <p:spPr/>
-        <p:txBody>
-          <a:bodyPr/>
-          <a:lstStyle/>
-          <a:p>
-            <a:r>
-              <a:rPr lang="en-US" altLang="zh-CN" dirty="0" smtClean="0"/>
-              <a:t>M. </a:t>
-            </a:r>
-            <a:r>
-              <a:rPr lang="en-US" altLang="zh-CN" dirty="0" err="1" smtClean="0"/>
-              <a:t>Badri</a:t>
-            </a:r>
-            <a:r>
-              <a:rPr lang="en-US" altLang="zh-CN" dirty="0" smtClean="0"/>
-              <a:t> and F. </a:t>
-            </a:r>
-            <a:r>
-              <a:rPr lang="en-US" altLang="zh-CN" dirty="0" err="1" smtClean="0"/>
-              <a:t>Toure</a:t>
-            </a:r>
-            <a:r>
-              <a:rPr lang="en-US" altLang="zh-CN" dirty="0" smtClean="0"/>
-              <a:t> </a:t>
-            </a:r>
-            <a:br>
-              <a:rPr lang="en-US" altLang="zh-CN" dirty="0" smtClean="0"/>
-            </a:br>
-            <a:r>
-              <a:rPr lang="en-US" altLang="zh-CN" dirty="0" smtClean="0"/>
-              <a:t>2011</a:t>
-            </a:r>
-            <a:endParaRPr lang="zh-CN" altLang="en-US" dirty="0"/>
-          </a:p>
-        </p:txBody>
-      </p:sp>
+      </p:pic>
     </p:spTree>
   </p:cSld>
   <p:clrMapOvr>
     <a:masterClrMapping/>
   </p:clrMapOvr>
+  <p:timing>
+    <p:tnLst>
+      <p:par>
+        <p:cTn id="1" dur="indefinite" restart="never" nodeType="tmRoot"/>
+      </p:par>
+    </p:tnLst>
+  </p:timing>
 </p:sld>
 </file>
 
@@ -8095,12 +8371,8 @@
               <a:buChar char="Ø"/>
             </a:pPr>
             <a:r>
-              <a:rPr lang="en-US" altLang="zh-CN" dirty="0" smtClean="0"/>
-              <a:t> </a:t>
-            </a:r>
-            <a:r>
-              <a:rPr lang="zh-CN" altLang="en-US" dirty="0" smtClean="0"/>
-              <a:t>概要</a:t>
+              <a:rPr lang="en-US" altLang="zh-CN" b="1" dirty="0" smtClean="0"/>
+              <a:t> Discussion</a:t>
             </a:r>
             <a:endParaRPr lang="zh-CN" altLang="en-US" dirty="0"/>
           </a:p>
@@ -8118,37 +8390,149 @@
         </p:nvSpPr>
         <p:spPr/>
         <p:txBody>
-          <a:bodyPr/>
-          <a:lstStyle/>
-          <a:p>
-            <a:r>
-              <a:rPr lang="zh-CN" altLang="en-US" sz="2400" dirty="0" smtClean="0"/>
-              <a:t>本文</a:t>
-            </a:r>
-            <a:r>
-              <a:rPr lang="zh-CN" altLang="zh-CN" sz="2400" dirty="0" smtClean="0"/>
-              <a:t>报告</a:t>
-            </a:r>
-            <a:r>
-              <a:rPr lang="zh-CN" altLang="zh-CN" sz="2400" dirty="0" smtClean="0"/>
-              <a:t>了一个实证分析，用于研究控制流依赖性对类的可测试性的影响，在单元级测试</a:t>
-            </a:r>
-            <a:r>
-              <a:rPr lang="en-US" altLang="zh-CN" sz="2400" dirty="0" smtClean="0"/>
-              <a:t>(</a:t>
-            </a:r>
-            <a:r>
-              <a:rPr lang="en-US" altLang="zh-CN" sz="2400" dirty="0" err="1" smtClean="0"/>
-              <a:t>JUnit</a:t>
-            </a:r>
-            <a:r>
-              <a:rPr lang="en-US" altLang="zh-CN" sz="2400" dirty="0" smtClean="0"/>
-              <a:t>)</a:t>
-            </a:r>
-            <a:r>
-              <a:rPr lang="zh-CN" altLang="zh-CN" sz="2400" dirty="0" smtClean="0"/>
-              <a:t>中。结果提供了证据表明控制流依赖性和类的可测试性之间存在显着关系。</a:t>
-            </a:r>
+          <a:bodyPr>
+            <a:normAutofit fontScale="92500" lnSpcReduction="10000"/>
+          </a:bodyPr>
+          <a:lstStyle/>
+          <a:p>
+            <a:r>
+              <a:rPr lang="en-US" altLang="zh-CN" sz="2800" b="1" dirty="0" smtClean="0"/>
+              <a:t>RQ1</a:t>
+            </a:r>
+            <a:r>
+              <a:rPr lang="en-US" altLang="zh-CN" sz="2800" dirty="0" smtClean="0"/>
+              <a:t>: </a:t>
+            </a:r>
+            <a:r>
+              <a:rPr lang="zh-CN" altLang="zh-CN" sz="2800" dirty="0" smtClean="0"/>
+              <a:t>类的动态耦合是否与其相应的测试类</a:t>
+            </a:r>
+            <a:r>
+              <a:rPr lang="en-US" altLang="zh-CN" sz="2800" dirty="0" smtClean="0"/>
+              <a:t>/</a:t>
+            </a:r>
+            <a:r>
+              <a:rPr lang="zh-CN" altLang="zh-CN" sz="2800" dirty="0" smtClean="0"/>
+              <a:t>单元的类可测性显着相关？</a:t>
+            </a:r>
+          </a:p>
+          <a:p>
+            <a:r>
+              <a:rPr lang="en-US" altLang="zh-CN" sz="2800" b="1" dirty="0" smtClean="0"/>
+              <a:t>RQ2</a:t>
+            </a:r>
+            <a:r>
+              <a:rPr lang="en-US" altLang="zh-CN" sz="2800" dirty="0" smtClean="0"/>
+              <a:t>: </a:t>
+            </a:r>
+            <a:r>
+              <a:rPr lang="zh-CN" altLang="zh-CN" sz="2800" dirty="0" smtClean="0"/>
+              <a:t>关键类是否与其相应测试类</a:t>
+            </a:r>
+            <a:r>
+              <a:rPr lang="en-US" altLang="zh-CN" sz="2800" dirty="0" smtClean="0"/>
+              <a:t>/</a:t>
+            </a:r>
+            <a:r>
+              <a:rPr lang="zh-CN" altLang="zh-CN" sz="2800" dirty="0" smtClean="0"/>
+              <a:t>单元的类可测试性显着相关？</a:t>
+            </a:r>
+          </a:p>
+          <a:p>
+            <a:r>
+              <a:rPr lang="zh-CN" altLang="zh-CN" sz="2800" dirty="0" smtClean="0"/>
+              <a:t>调查以下两个研究假设来回答研究问题：</a:t>
+            </a:r>
+          </a:p>
+          <a:p>
+            <a:r>
+              <a:rPr lang="en-US" altLang="zh-CN" sz="2800" b="1" dirty="0" smtClean="0"/>
+              <a:t>H0</a:t>
+            </a:r>
+            <a:r>
+              <a:rPr lang="en-US" altLang="zh-CN" sz="2800" dirty="0" smtClean="0"/>
+              <a:t>: </a:t>
+            </a:r>
+            <a:r>
+              <a:rPr lang="zh-CN" altLang="zh-CN" sz="2800" dirty="0" smtClean="0"/>
+              <a:t>动态耦合与类可测性具有显着相关性。</a:t>
+            </a:r>
+            <a:r>
+              <a:rPr lang="en-US" altLang="zh-CN" sz="2800" dirty="0" smtClean="0"/>
+              <a:t>     </a:t>
+            </a:r>
+            <a:r>
+              <a:rPr lang="zh-CN" altLang="zh-CN" sz="2800" b="1" dirty="0" smtClean="0"/>
+              <a:t>√</a:t>
+            </a:r>
+            <a:endParaRPr lang="zh-CN" altLang="zh-CN" sz="2800" dirty="0" smtClean="0"/>
+          </a:p>
+          <a:p>
+            <a:r>
+              <a:rPr lang="en-US" altLang="zh-CN" sz="2800" b="1" dirty="0" smtClean="0"/>
+              <a:t>H1</a:t>
+            </a:r>
+            <a:r>
+              <a:rPr lang="en-US" altLang="zh-CN" sz="2800" dirty="0" smtClean="0"/>
+              <a:t>: </a:t>
+            </a:r>
+            <a:r>
+              <a:rPr lang="zh-CN" altLang="zh-CN" sz="2800" dirty="0" smtClean="0"/>
+              <a:t>关键类与类可测试性有显着的相关性。</a:t>
+            </a:r>
+            <a:r>
+              <a:rPr lang="en-US" altLang="zh-CN" sz="2800" dirty="0" smtClean="0"/>
+              <a:t>     </a:t>
+            </a:r>
+            <a:r>
+              <a:rPr lang="zh-CN" altLang="zh-CN" sz="2800" b="1" dirty="0" smtClean="0"/>
+              <a:t>√</a:t>
+            </a:r>
+            <a:endParaRPr lang="zh-CN" altLang="zh-CN" sz="2800" dirty="0" smtClean="0"/>
+          </a:p>
+          <a:p>
+            <a:r>
+              <a:rPr lang="zh-CN" altLang="zh-CN" sz="2800" dirty="0" smtClean="0"/>
+              <a:t>相应的空假设是：</a:t>
+            </a:r>
+          </a:p>
+          <a:p>
+            <a:r>
+              <a:rPr lang="en-US" altLang="zh-CN" sz="2800" b="1" dirty="0" smtClean="0"/>
+              <a:t>H2</a:t>
+            </a:r>
+            <a:r>
+              <a:rPr lang="zh-CN" altLang="zh-CN" sz="2800" dirty="0" smtClean="0"/>
+              <a:t>：动态耦合与类可测性度量没有显着的相关性</a:t>
+            </a:r>
+            <a:r>
+              <a:rPr lang="en-US" altLang="zh-CN" sz="2800" dirty="0" smtClean="0"/>
+              <a:t>. </a:t>
+            </a:r>
+            <a:r>
+              <a:rPr lang="zh-CN" altLang="zh-CN" sz="2800" b="1" dirty="0" smtClean="0"/>
+              <a:t>×</a:t>
+            </a:r>
+            <a:endParaRPr lang="zh-CN" altLang="zh-CN" sz="2800" dirty="0" smtClean="0"/>
+          </a:p>
+          <a:p>
+            <a:r>
+              <a:rPr lang="en-US" altLang="zh-CN" sz="2800" b="1" dirty="0" smtClean="0"/>
+              <a:t>H3</a:t>
+            </a:r>
+            <a:r>
+              <a:rPr lang="zh-CN" altLang="zh-CN" sz="2800" dirty="0" smtClean="0"/>
+              <a:t>：关键类与类可测性没有显着的相关性。</a:t>
+            </a:r>
+            <a:r>
+              <a:rPr lang="en-US" altLang="zh-CN" sz="2800" dirty="0" smtClean="0"/>
+              <a:t>       </a:t>
+            </a:r>
+            <a:r>
+              <a:rPr lang="zh-CN" altLang="zh-CN" sz="2800" b="1" dirty="0" smtClean="0"/>
+              <a:t>×</a:t>
+            </a:r>
+            <a:endParaRPr lang="zh-CN" altLang="zh-CN" sz="2800" dirty="0" smtClean="0"/>
           </a:p>
           <a:p>
             <a:endParaRPr lang="zh-CN" altLang="en-US" dirty="0"/>
@@ -8194,7 +8578,37 @@
             <a:spLocks noGrp="1"/>
           </p:cNvSpPr>
           <p:nvPr>
-            <p:ph type="title"/>
+            <p:ph type="ctrTitle"/>
+          </p:nvPr>
+        </p:nvSpPr>
+        <p:spPr>
+          <a:xfrm>
+            <a:off x="685800" y="1124745"/>
+            <a:ext cx="7772400" cy="2475706"/>
+          </a:xfrm>
+        </p:spPr>
+        <p:txBody>
+          <a:bodyPr>
+            <a:normAutofit fontScale="90000"/>
+          </a:bodyPr>
+          <a:lstStyle/>
+          <a:p>
+            <a:r>
+              <a:rPr lang="en-US" altLang="zh-CN" dirty="0" smtClean="0"/>
+              <a:t>Empirical Analysis for Investigating the Effect of Control Flow Dependencies on Testability of Classes</a:t>
+            </a:r>
+            <a:endParaRPr lang="zh-CN" altLang="en-US" dirty="0"/>
+          </a:p>
+        </p:txBody>
+      </p:sp>
+      <p:sp>
+        <p:nvSpPr>
+          <p:cNvPr id="3" name="副标题 2"/>
+          <p:cNvSpPr>
+            <a:spLocks noGrp="1"/>
+          </p:cNvSpPr>
+          <p:nvPr>
+            <p:ph type="subTitle" idx="1"/>
           </p:nvPr>
         </p:nvSpPr>
         <p:spPr/>
@@ -8202,162 +8616,34 @@
           <a:bodyPr/>
           <a:lstStyle/>
           <a:p>
-            <a:pPr algn="l">
-              <a:buFont typeface="Wingdings" pitchFamily="2" charset="2"/>
-              <a:buChar char="Ø"/>
-            </a:pPr>
-            <a:r>
-              <a:rPr lang="en-US" altLang="zh-CN" dirty="0" smtClean="0"/>
-              <a:t>Quality Assurance Indicator</a:t>
+            <a:r>
+              <a:rPr lang="en-US" altLang="zh-CN" dirty="0" smtClean="0"/>
+              <a:t>M. </a:t>
+            </a:r>
+            <a:r>
+              <a:rPr lang="en-US" altLang="zh-CN" dirty="0" err="1" smtClean="0"/>
+              <a:t>Badri</a:t>
+            </a:r>
+            <a:r>
+              <a:rPr lang="en-US" altLang="zh-CN" dirty="0" smtClean="0"/>
+              <a:t> and F. </a:t>
+            </a:r>
+            <a:r>
+              <a:rPr lang="en-US" altLang="zh-CN" dirty="0" err="1" smtClean="0"/>
+              <a:t>Toure</a:t>
+            </a:r>
+            <a:r>
+              <a:rPr lang="en-US" altLang="zh-CN" dirty="0" smtClean="0"/>
+              <a:t> </a:t>
+            </a:r>
+            <a:br>
+              <a:rPr lang="en-US" altLang="zh-CN" dirty="0" smtClean="0"/>
+            </a:br>
+            <a:r>
+              <a:rPr lang="en-US" altLang="zh-CN" dirty="0" smtClean="0"/>
+              <a:t>2011</a:t>
             </a:r>
             <a:endParaRPr lang="zh-CN" altLang="en-US" dirty="0"/>
-          </a:p>
-        </p:txBody>
-      </p:sp>
-      <p:sp>
-        <p:nvSpPr>
-          <p:cNvPr id="3" name="内容占位符 2"/>
-          <p:cNvSpPr>
-            <a:spLocks noGrp="1"/>
-          </p:cNvSpPr>
-          <p:nvPr>
-            <p:ph idx="1"/>
-          </p:nvPr>
-        </p:nvSpPr>
-        <p:spPr/>
-        <p:txBody>
-          <a:bodyPr>
-            <a:normAutofit lnSpcReduction="10000"/>
-          </a:bodyPr>
-          <a:lstStyle/>
-          <a:p>
-            <a:r>
-              <a:rPr lang="zh-CN" altLang="en-US" sz="2400" dirty="0" smtClean="0"/>
-              <a:t>本文总</a:t>
-            </a:r>
-            <a:r>
-              <a:rPr lang="zh-CN" altLang="zh-CN" sz="2400" dirty="0" smtClean="0"/>
-              <a:t>结</a:t>
-            </a:r>
-            <a:r>
-              <a:rPr lang="zh-CN" altLang="zh-CN" sz="2400" dirty="0" smtClean="0"/>
-              <a:t>了质量保证指标（</a:t>
-            </a:r>
-            <a:r>
-              <a:rPr lang="en-US" altLang="zh-CN" sz="2400" dirty="0" err="1" smtClean="0"/>
-              <a:t>Qi</a:t>
-            </a:r>
-            <a:r>
-              <a:rPr lang="zh-CN" altLang="zh-CN" sz="2400" dirty="0" smtClean="0"/>
-              <a:t>）指标的</a:t>
-            </a:r>
-            <a:r>
-              <a:rPr lang="zh-CN" altLang="zh-CN" sz="2400" dirty="0" smtClean="0"/>
-              <a:t>定义</a:t>
-            </a:r>
-            <a:endParaRPr lang="en-US" altLang="zh-CN" sz="2400" dirty="0" smtClean="0"/>
-          </a:p>
-          <a:p>
-            <a:endParaRPr lang="en-US" altLang="zh-CN" sz="2400" dirty="0" smtClean="0"/>
-          </a:p>
-          <a:p>
-            <a:r>
-              <a:rPr lang="en-US" altLang="zh-CN" sz="2400" dirty="0" err="1" smtClean="0"/>
-              <a:t>Qi</a:t>
-            </a:r>
-            <a:r>
-              <a:rPr lang="zh-CN" altLang="zh-CN" sz="2400" dirty="0" smtClean="0"/>
-              <a:t>度量基于控制调用图，它是传统控制流图的简化</a:t>
-            </a:r>
-            <a:r>
-              <a:rPr lang="zh-CN" altLang="zh-CN" sz="2400" dirty="0" smtClean="0"/>
-              <a:t>形式</a:t>
-            </a:r>
-            <a:endParaRPr lang="en-US" altLang="zh-CN" sz="2400" dirty="0" smtClean="0"/>
-          </a:p>
-          <a:p>
-            <a:endParaRPr lang="en-US" altLang="zh-CN" sz="2400" dirty="0" smtClean="0"/>
-          </a:p>
-          <a:p>
-            <a:r>
-              <a:rPr lang="zh-CN" altLang="zh-CN" sz="2400" dirty="0" smtClean="0"/>
-              <a:t>控制调用图是控制流图，从该控制流图中移除表示不包含对方法</a:t>
-            </a:r>
-            <a:r>
-              <a:rPr lang="zh-CN" altLang="zh-CN" sz="2400" dirty="0" smtClean="0"/>
-              <a:t>的调用</a:t>
-            </a:r>
-            <a:r>
-              <a:rPr lang="zh-CN" altLang="zh-CN" sz="2400" dirty="0" smtClean="0"/>
-              <a:t>的指令或顺序指令的基本块的节点</a:t>
-            </a:r>
-            <a:r>
-              <a:rPr lang="zh-CN" altLang="zh-CN" sz="2400" dirty="0" smtClean="0"/>
-              <a:t>。</a:t>
-            </a:r>
-            <a:endParaRPr lang="en-US" altLang="zh-CN" sz="2400" dirty="0" smtClean="0"/>
-          </a:p>
-          <a:p>
-            <a:endParaRPr lang="en-US" altLang="zh-CN" sz="2400" dirty="0" smtClean="0"/>
-          </a:p>
-          <a:p>
-            <a:r>
-              <a:rPr lang="en-US" altLang="zh-CN" sz="2400" dirty="0" err="1" smtClean="0"/>
-              <a:t>Qi</a:t>
-            </a:r>
-            <a:r>
-              <a:rPr lang="zh-CN" altLang="zh-CN" sz="2400" dirty="0" smtClean="0"/>
-              <a:t>度量</a:t>
-            </a:r>
-            <a:r>
-              <a:rPr lang="zh-CN" altLang="zh-CN" sz="2400" dirty="0" smtClean="0"/>
-              <a:t>标准化并</a:t>
-            </a:r>
-            <a:r>
-              <a:rPr lang="zh-CN" altLang="zh-CN" sz="2400" dirty="0" smtClean="0"/>
-              <a:t>在区间</a:t>
-            </a:r>
-            <a:r>
-              <a:rPr lang="en-US" altLang="zh-CN" sz="2400" dirty="0" smtClean="0"/>
-              <a:t>[0,1]</a:t>
-            </a:r>
-            <a:r>
-              <a:rPr lang="zh-CN" altLang="zh-CN" sz="2400" dirty="0" smtClean="0"/>
-              <a:t>中给出</a:t>
-            </a:r>
-            <a:r>
-              <a:rPr lang="zh-CN" altLang="zh-CN" sz="2400" dirty="0" smtClean="0"/>
-              <a:t>值</a:t>
-            </a:r>
-            <a:endParaRPr lang="en-US" altLang="zh-CN" sz="2400" dirty="0" smtClean="0"/>
-          </a:p>
-          <a:p>
-            <a:pPr lvl="1"/>
-            <a:r>
-              <a:rPr lang="zh-CN" altLang="zh-CN" sz="2000" dirty="0" smtClean="0"/>
-              <a:t>类的</a:t>
-            </a:r>
-            <a:r>
-              <a:rPr lang="en-US" altLang="zh-CN" sz="2000" dirty="0" err="1" smtClean="0"/>
-              <a:t>Qi</a:t>
-            </a:r>
-            <a:r>
-              <a:rPr lang="zh-CN" altLang="zh-CN" sz="2000" dirty="0" smtClean="0"/>
-              <a:t>的低值反映了类（是高风险类）并且需要更多测试工作来确保其</a:t>
-            </a:r>
-            <a:r>
-              <a:rPr lang="zh-CN" altLang="zh-CN" sz="2000" dirty="0" smtClean="0"/>
-              <a:t>质量</a:t>
-            </a:r>
-            <a:endParaRPr lang="en-US" altLang="zh-CN" sz="2000" dirty="0" smtClean="0"/>
-          </a:p>
-          <a:p>
-            <a:pPr lvl="1"/>
-            <a:r>
-              <a:rPr lang="zh-CN" altLang="zh-CN" sz="2000" dirty="0" smtClean="0"/>
-              <a:t>而高值表示（类是低风险类）在类上有效投入的测试工作量很高（与其复杂程度成正比）。</a:t>
-            </a:r>
-            <a:endParaRPr lang="zh-CN" altLang="en-US" sz="2000" dirty="0"/>
           </a:p>
         </p:txBody>
       </p:sp>
@@ -8414,11 +8700,281 @@
             </a:pPr>
             <a:r>
               <a:rPr lang="en-US" altLang="zh-CN" dirty="0" smtClean="0"/>
-              <a:t> Quality </a:t>
-            </a:r>
-            <a:r>
-              <a:rPr lang="en-US" altLang="zh-CN" dirty="0" smtClean="0"/>
-              <a:t>Assurance Indicator</a:t>
+              <a:t> </a:t>
+            </a:r>
+            <a:r>
+              <a:rPr lang="zh-CN" altLang="en-US" dirty="0" smtClean="0"/>
+              <a:t>概要</a:t>
+            </a:r>
+            <a:endParaRPr lang="zh-CN" altLang="en-US" dirty="0"/>
+          </a:p>
+        </p:txBody>
+      </p:sp>
+      <p:sp>
+        <p:nvSpPr>
+          <p:cNvPr id="3" name="内容占位符 2"/>
+          <p:cNvSpPr>
+            <a:spLocks noGrp="1"/>
+          </p:cNvSpPr>
+          <p:nvPr>
+            <p:ph idx="1"/>
+          </p:nvPr>
+        </p:nvSpPr>
+        <p:spPr/>
+        <p:txBody>
+          <a:bodyPr/>
+          <a:lstStyle/>
+          <a:p>
+            <a:r>
+              <a:rPr lang="zh-CN" altLang="en-US" sz="2400" dirty="0" smtClean="0"/>
+              <a:t>本文</a:t>
+            </a:r>
+            <a:r>
+              <a:rPr lang="zh-CN" altLang="zh-CN" sz="2400" dirty="0" smtClean="0"/>
+              <a:t>报告了一个实证分析，用于研究控制流依赖性对类的可测试性的影响，在单元级测试</a:t>
+            </a:r>
+            <a:r>
+              <a:rPr lang="en-US" altLang="zh-CN" sz="2400" dirty="0" smtClean="0"/>
+              <a:t>(</a:t>
+            </a:r>
+            <a:r>
+              <a:rPr lang="en-US" altLang="zh-CN" sz="2400" dirty="0" err="1" smtClean="0"/>
+              <a:t>JUnit</a:t>
+            </a:r>
+            <a:r>
+              <a:rPr lang="en-US" altLang="zh-CN" sz="2400" dirty="0" smtClean="0"/>
+              <a:t>)</a:t>
+            </a:r>
+            <a:r>
+              <a:rPr lang="zh-CN" altLang="zh-CN" sz="2400" dirty="0" smtClean="0"/>
+              <a:t>中。结果提供了证据表明控制流依赖性和类的可测试性之间存在显着关系。</a:t>
+            </a:r>
+          </a:p>
+          <a:p>
+            <a:endParaRPr lang="zh-CN" altLang="en-US" dirty="0"/>
+          </a:p>
+        </p:txBody>
+      </p:sp>
+    </p:spTree>
+  </p:cSld>
+  <p:clrMapOvr>
+    <a:masterClrMapping/>
+  </p:clrMapOvr>
+  <p:timing>
+    <p:tnLst>
+      <p:par>
+        <p:cTn id="1" dur="indefinite" restart="never" nodeType="tmRoot"/>
+      </p:par>
+    </p:tnLst>
+  </p:timing>
+</p:sld>
+</file>
+
+<file path=ppt/slides/slide36.xml><?xml version="1.0" encoding="utf-8"?>
+<p:sld xmlns:a="http://schemas.openxmlformats.org/drawingml/2006/main" xmlns:r="http://schemas.openxmlformats.org/officeDocument/2006/relationships" xmlns:p="http://schemas.openxmlformats.org/presentationml/2006/main">
+  <p:cSld>
+    <p:spTree>
+      <p:nvGrpSpPr>
+        <p:cNvPr id="1" name=""/>
+        <p:cNvGrpSpPr/>
+        <p:nvPr/>
+      </p:nvGrpSpPr>
+      <p:grpSpPr>
+        <a:xfrm>
+          <a:off x="0" y="0"/>
+          <a:ext cx="0" cy="0"/>
+          <a:chOff x="0" y="0"/>
+          <a:chExt cx="0" cy="0"/>
+        </a:xfrm>
+      </p:grpSpPr>
+      <p:sp>
+        <p:nvSpPr>
+          <p:cNvPr id="2" name="标题 1"/>
+          <p:cNvSpPr>
+            <a:spLocks noGrp="1"/>
+          </p:cNvSpPr>
+          <p:nvPr>
+            <p:ph type="title"/>
+          </p:nvPr>
+        </p:nvSpPr>
+        <p:spPr/>
+        <p:txBody>
+          <a:bodyPr/>
+          <a:lstStyle/>
+          <a:p>
+            <a:pPr algn="l">
+              <a:buFont typeface="Wingdings" pitchFamily="2" charset="2"/>
+              <a:buChar char="Ø"/>
+            </a:pPr>
+            <a:r>
+              <a:rPr lang="en-US" altLang="zh-CN" dirty="0" smtClean="0"/>
+              <a:t>Quality Assurance Indicator</a:t>
+            </a:r>
+            <a:endParaRPr lang="zh-CN" altLang="en-US" dirty="0"/>
+          </a:p>
+        </p:txBody>
+      </p:sp>
+      <p:sp>
+        <p:nvSpPr>
+          <p:cNvPr id="3" name="内容占位符 2"/>
+          <p:cNvSpPr>
+            <a:spLocks noGrp="1"/>
+          </p:cNvSpPr>
+          <p:nvPr>
+            <p:ph idx="1"/>
+          </p:nvPr>
+        </p:nvSpPr>
+        <p:spPr/>
+        <p:txBody>
+          <a:bodyPr>
+            <a:normAutofit lnSpcReduction="10000"/>
+          </a:bodyPr>
+          <a:lstStyle/>
+          <a:p>
+            <a:r>
+              <a:rPr lang="zh-CN" altLang="en-US" sz="2400" dirty="0" smtClean="0"/>
+              <a:t>本文总</a:t>
+            </a:r>
+            <a:r>
+              <a:rPr lang="zh-CN" altLang="zh-CN" sz="2400" dirty="0" smtClean="0"/>
+              <a:t>结了质量保证指标（</a:t>
+            </a:r>
+            <a:r>
+              <a:rPr lang="en-US" altLang="zh-CN" sz="2400" dirty="0" err="1" smtClean="0"/>
+              <a:t>Qi</a:t>
+            </a:r>
+            <a:r>
+              <a:rPr lang="zh-CN" altLang="zh-CN" sz="2400" dirty="0" smtClean="0"/>
+              <a:t>）指标的定义</a:t>
+            </a:r>
+            <a:endParaRPr lang="en-US" altLang="zh-CN" sz="2400" dirty="0" smtClean="0"/>
+          </a:p>
+          <a:p>
+            <a:endParaRPr lang="en-US" altLang="zh-CN" sz="2400" dirty="0" smtClean="0"/>
+          </a:p>
+          <a:p>
+            <a:r>
+              <a:rPr lang="en-US" altLang="zh-CN" sz="2400" dirty="0" err="1" smtClean="0"/>
+              <a:t>Qi</a:t>
+            </a:r>
+            <a:r>
+              <a:rPr lang="zh-CN" altLang="zh-CN" sz="2400" dirty="0" smtClean="0"/>
+              <a:t>度量基于控制调用图，它是传统控制流图的简化形式</a:t>
+            </a:r>
+            <a:endParaRPr lang="en-US" altLang="zh-CN" sz="2400" dirty="0" smtClean="0"/>
+          </a:p>
+          <a:p>
+            <a:endParaRPr lang="en-US" altLang="zh-CN" sz="2400" dirty="0" smtClean="0"/>
+          </a:p>
+          <a:p>
+            <a:r>
+              <a:rPr lang="zh-CN" altLang="zh-CN" sz="2400" dirty="0" smtClean="0"/>
+              <a:t>控制调用图是控制流图，从该控制流图中移除表示不包含对方法的调用的指令或顺序指令的基本块的节点。</a:t>
+            </a:r>
+            <a:endParaRPr lang="en-US" altLang="zh-CN" sz="2400" dirty="0" smtClean="0"/>
+          </a:p>
+          <a:p>
+            <a:endParaRPr lang="en-US" altLang="zh-CN" sz="2400" dirty="0" smtClean="0"/>
+          </a:p>
+          <a:p>
+            <a:r>
+              <a:rPr lang="en-US" altLang="zh-CN" sz="2400" dirty="0" err="1" smtClean="0"/>
+              <a:t>Qi</a:t>
+            </a:r>
+            <a:r>
+              <a:rPr lang="zh-CN" altLang="zh-CN" sz="2400" dirty="0" smtClean="0"/>
+              <a:t>度量标准化并在区间</a:t>
+            </a:r>
+            <a:r>
+              <a:rPr lang="en-US" altLang="zh-CN" sz="2400" dirty="0" smtClean="0"/>
+              <a:t>[0,1]</a:t>
+            </a:r>
+            <a:r>
+              <a:rPr lang="zh-CN" altLang="zh-CN" sz="2400" dirty="0" smtClean="0"/>
+              <a:t>中给出值</a:t>
+            </a:r>
+            <a:endParaRPr lang="en-US" altLang="zh-CN" sz="2400" dirty="0" smtClean="0"/>
+          </a:p>
+          <a:p>
+            <a:pPr lvl="1"/>
+            <a:r>
+              <a:rPr lang="zh-CN" altLang="zh-CN" sz="2000" dirty="0" smtClean="0"/>
+              <a:t>类的</a:t>
+            </a:r>
+            <a:r>
+              <a:rPr lang="en-US" altLang="zh-CN" sz="2000" dirty="0" err="1" smtClean="0"/>
+              <a:t>Qi</a:t>
+            </a:r>
+            <a:r>
+              <a:rPr lang="zh-CN" altLang="zh-CN" sz="2000" dirty="0" smtClean="0"/>
+              <a:t>的低值反映了类（是高风险类）并且需要更多测试工作来确保其质量</a:t>
+            </a:r>
+            <a:endParaRPr lang="en-US" altLang="zh-CN" sz="2000" dirty="0" smtClean="0"/>
+          </a:p>
+          <a:p>
+            <a:pPr lvl="1"/>
+            <a:r>
+              <a:rPr lang="zh-CN" altLang="zh-CN" sz="2000" dirty="0" smtClean="0"/>
+              <a:t>而高值表示（类是低风险类）在类上有效投入的测试工作量很高（与其复杂程度成正比）。</a:t>
+            </a:r>
+            <a:endParaRPr lang="zh-CN" altLang="en-US" sz="2000" dirty="0"/>
+          </a:p>
+        </p:txBody>
+      </p:sp>
+    </p:spTree>
+  </p:cSld>
+  <p:clrMapOvr>
+    <a:masterClrMapping/>
+  </p:clrMapOvr>
+  <p:timing>
+    <p:tnLst>
+      <p:par>
+        <p:cTn id="1" dur="indefinite" restart="never" nodeType="tmRoot"/>
+      </p:par>
+    </p:tnLst>
+  </p:timing>
+</p:sld>
+</file>
+
+<file path=ppt/slides/slide37.xml><?xml version="1.0" encoding="utf-8"?>
+<p:sld xmlns:a="http://schemas.openxmlformats.org/drawingml/2006/main" xmlns:r="http://schemas.openxmlformats.org/officeDocument/2006/relationships" xmlns:p="http://schemas.openxmlformats.org/presentationml/2006/main">
+  <p:cSld>
+    <p:spTree>
+      <p:nvGrpSpPr>
+        <p:cNvPr id="1" name=""/>
+        <p:cNvGrpSpPr/>
+        <p:nvPr/>
+      </p:nvGrpSpPr>
+      <p:grpSpPr>
+        <a:xfrm>
+          <a:off x="0" y="0"/>
+          <a:ext cx="0" cy="0"/>
+          <a:chOff x="0" y="0"/>
+          <a:chExt cx="0" cy="0"/>
+        </a:xfrm>
+      </p:grpSpPr>
+      <p:sp>
+        <p:nvSpPr>
+          <p:cNvPr id="2" name="标题 1"/>
+          <p:cNvSpPr>
+            <a:spLocks noGrp="1"/>
+          </p:cNvSpPr>
+          <p:nvPr>
+            <p:ph type="title"/>
+          </p:nvPr>
+        </p:nvSpPr>
+        <p:spPr/>
+        <p:txBody>
+          <a:bodyPr/>
+          <a:lstStyle/>
+          <a:p>
+            <a:pPr algn="l">
+              <a:buFont typeface="Wingdings" pitchFamily="2" charset="2"/>
+              <a:buChar char="Ø"/>
+            </a:pPr>
+            <a:r>
+              <a:rPr lang="en-US" altLang="zh-CN" dirty="0" smtClean="0"/>
+              <a:t> Quality Assurance Indicator</a:t>
             </a:r>
             <a:endParaRPr lang="zh-CN" altLang="en-US" dirty="0"/>
           </a:p>
@@ -8488,263 +9044,6 @@
 </p:sld>
 </file>
 
-<file path=ppt/slides/slide36.xml><?xml version="1.0" encoding="utf-8"?>
-<p:sld xmlns:a="http://schemas.openxmlformats.org/drawingml/2006/main" xmlns:r="http://schemas.openxmlformats.org/officeDocument/2006/relationships" xmlns:p="http://schemas.openxmlformats.org/presentationml/2006/main">
-  <p:cSld>
-    <p:spTree>
-      <p:nvGrpSpPr>
-        <p:cNvPr id="1" name=""/>
-        <p:cNvGrpSpPr/>
-        <p:nvPr/>
-      </p:nvGrpSpPr>
-      <p:grpSpPr>
-        <a:xfrm>
-          <a:off x="0" y="0"/>
-          <a:ext cx="0" cy="0"/>
-          <a:chOff x="0" y="0"/>
-          <a:chExt cx="0" cy="0"/>
-        </a:xfrm>
-      </p:grpSpPr>
-      <p:sp>
-        <p:nvSpPr>
-          <p:cNvPr id="2" name="标题 1"/>
-          <p:cNvSpPr>
-            <a:spLocks noGrp="1"/>
-          </p:cNvSpPr>
-          <p:nvPr>
-            <p:ph type="title"/>
-          </p:nvPr>
-        </p:nvSpPr>
-        <p:spPr/>
-        <p:txBody>
-          <a:bodyPr/>
-          <a:lstStyle/>
-          <a:p>
-            <a:pPr algn="l">
-              <a:buFont typeface="Wingdings" pitchFamily="2" charset="2"/>
-              <a:buChar char="Ø"/>
-            </a:pPr>
-            <a:r>
-              <a:rPr lang="zh-CN" altLang="en-US" dirty="0" smtClean="0"/>
-              <a:t> 总结</a:t>
-            </a:r>
-            <a:endParaRPr lang="zh-CN" altLang="en-US" dirty="0"/>
-          </a:p>
-        </p:txBody>
-      </p:sp>
-      <p:sp>
-        <p:nvSpPr>
-          <p:cNvPr id="3" name="内容占位符 2"/>
-          <p:cNvSpPr>
-            <a:spLocks noGrp="1"/>
-          </p:cNvSpPr>
-          <p:nvPr>
-            <p:ph idx="1"/>
-          </p:nvPr>
-        </p:nvSpPr>
-        <p:spPr/>
-        <p:txBody>
-          <a:bodyPr>
-            <a:normAutofit/>
-          </a:bodyPr>
-          <a:lstStyle/>
-          <a:p>
-            <a:r>
-              <a:rPr lang="zh-CN" altLang="zh-CN" sz="2400" dirty="0" smtClean="0"/>
-              <a:t>在本文中，我们提出了一个度量</a:t>
-            </a:r>
-            <a:r>
-              <a:rPr lang="zh-CN" altLang="zh-CN" sz="2400" dirty="0" smtClean="0"/>
-              <a:t>标准，</a:t>
-            </a:r>
-            <a:r>
-              <a:rPr lang="zh-CN" altLang="zh-CN" sz="2400" dirty="0" smtClean="0"/>
-              <a:t>以集成的方式捕获</a:t>
-            </a:r>
-            <a:r>
-              <a:rPr lang="en-US" altLang="zh-CN" sz="2400" dirty="0" smtClean="0"/>
-              <a:t>OOS</a:t>
-            </a:r>
-            <a:r>
-              <a:rPr lang="zh-CN" altLang="zh-CN" sz="2400" dirty="0" smtClean="0"/>
-              <a:t>的不同属性。该度量标准称为质量保证</a:t>
-            </a:r>
-            <a:r>
-              <a:rPr lang="zh-CN" altLang="zh-CN" sz="2400" dirty="0" smtClean="0"/>
-              <a:t>指标</a:t>
-            </a:r>
-            <a:r>
-              <a:rPr lang="en-US" altLang="zh-CN" sz="2400" dirty="0" err="1" smtClean="0"/>
-              <a:t>Qi</a:t>
-            </a:r>
-            <a:r>
-              <a:rPr lang="en-US" altLang="zh-CN" sz="2400" dirty="0" smtClean="0"/>
-              <a:t> </a:t>
-            </a:r>
-            <a:r>
-              <a:rPr lang="zh-CN" altLang="zh-CN" sz="2400" dirty="0" smtClean="0"/>
-              <a:t>，</a:t>
-            </a:r>
-            <a:r>
-              <a:rPr lang="zh-CN" altLang="zh-CN" sz="2400" dirty="0" smtClean="0"/>
-              <a:t>它使用控制流路径和概率，并捕获类之间的协作</a:t>
-            </a:r>
-            <a:r>
-              <a:rPr lang="zh-CN" altLang="zh-CN" sz="2400" dirty="0" smtClean="0"/>
-              <a:t>。</a:t>
-            </a:r>
-            <a:endParaRPr lang="en-US" altLang="zh-CN" sz="2400" dirty="0" smtClean="0"/>
-          </a:p>
-          <a:p>
-            <a:endParaRPr lang="en-US" altLang="zh-CN" sz="2400" dirty="0" smtClean="0"/>
-          </a:p>
-          <a:p>
-            <a:r>
-              <a:rPr lang="zh-CN" altLang="zh-CN" sz="2400" dirty="0" smtClean="0"/>
-              <a:t>本文</a:t>
-            </a:r>
-            <a:r>
-              <a:rPr lang="zh-CN" altLang="zh-CN" sz="2400" dirty="0" smtClean="0"/>
-              <a:t>根据经验研究了提出的度量与类的可测性之间的关系。从单元测试的</a:t>
-            </a:r>
-            <a:r>
-              <a:rPr lang="zh-CN" altLang="zh-CN" sz="2400" dirty="0" smtClean="0"/>
-              <a:t>角度研究</a:t>
-            </a:r>
-            <a:r>
-              <a:rPr lang="zh-CN" altLang="zh-CN" sz="2400" dirty="0" smtClean="0"/>
-              <a:t>了</a:t>
-            </a:r>
-            <a:r>
-              <a:rPr lang="zh-CN" altLang="zh-CN" sz="2400" dirty="0" smtClean="0"/>
-              <a:t>可测试性</a:t>
-            </a:r>
-            <a:endParaRPr lang="en-US" altLang="zh-CN" sz="2400" dirty="0" smtClean="0"/>
-          </a:p>
-          <a:p>
-            <a:endParaRPr lang="en-US" altLang="zh-CN" sz="2400" dirty="0" smtClean="0"/>
-          </a:p>
-          <a:p>
-            <a:r>
-              <a:rPr lang="zh-CN" altLang="zh-CN" sz="2400" dirty="0" smtClean="0"/>
-              <a:t>本文的研究结果应被视为具有探索性和指示性而非决定性的。此外，已知软件可测试性受许多不同因素的影响，扩展使用的测试用例指标套件以更好地反映测试工作量将是有趣的。</a:t>
-            </a:r>
-            <a:endParaRPr lang="zh-CN" altLang="en-US" sz="2400" dirty="0"/>
-          </a:p>
-        </p:txBody>
-      </p:sp>
-    </p:spTree>
-  </p:cSld>
-  <p:clrMapOvr>
-    <a:masterClrMapping/>
-  </p:clrMapOvr>
-  <p:timing>
-    <p:tnLst>
-      <p:par>
-        <p:cTn id="1" dur="indefinite" restart="never" nodeType="tmRoot"/>
-      </p:par>
-    </p:tnLst>
-  </p:timing>
-</p:sld>
-</file>
-
-<file path=ppt/slides/slide37.xml><?xml version="1.0" encoding="utf-8"?>
-<p:sld xmlns:a="http://schemas.openxmlformats.org/drawingml/2006/main" xmlns:r="http://schemas.openxmlformats.org/officeDocument/2006/relationships" xmlns:p="http://schemas.openxmlformats.org/presentationml/2006/main">
-  <p:cSld>
-    <p:spTree>
-      <p:nvGrpSpPr>
-        <p:cNvPr id="1" name=""/>
-        <p:cNvGrpSpPr/>
-        <p:nvPr/>
-      </p:nvGrpSpPr>
-      <p:grpSpPr>
-        <a:xfrm>
-          <a:off x="0" y="0"/>
-          <a:ext cx="0" cy="0"/>
-          <a:chOff x="0" y="0"/>
-          <a:chExt cx="0" cy="0"/>
-        </a:xfrm>
-      </p:grpSpPr>
-      <p:sp>
-        <p:nvSpPr>
-          <p:cNvPr id="2" name="标题 1"/>
-          <p:cNvSpPr>
-            <a:spLocks noGrp="1"/>
-          </p:cNvSpPr>
-          <p:nvPr>
-            <p:ph type="ctrTitle"/>
-          </p:nvPr>
-        </p:nvSpPr>
-        <p:spPr>
-          <a:xfrm>
-            <a:off x="685800" y="1628801"/>
-            <a:ext cx="7772400" cy="1971650"/>
-          </a:xfrm>
-        </p:spPr>
-        <p:txBody>
-          <a:bodyPr>
-            <a:normAutofit fontScale="90000"/>
-          </a:bodyPr>
-          <a:lstStyle/>
-          <a:p>
-            <a:r>
-              <a:rPr lang="en-US" altLang="zh-CN" dirty="0" err="1" smtClean="0"/>
-              <a:t>MuAspectJ</a:t>
-            </a:r>
-            <a:r>
-              <a:rPr lang="en-US" altLang="zh-CN" dirty="0" smtClean="0"/>
-              <a:t>: Mutant Generation to Support Measuring the Testability of </a:t>
-            </a:r>
-            <a:r>
-              <a:rPr lang="en-US" altLang="zh-CN" dirty="0" err="1" smtClean="0"/>
-              <a:t>AspectJ</a:t>
-            </a:r>
-            <a:r>
-              <a:rPr lang="en-US" altLang="zh-CN" dirty="0" smtClean="0"/>
-              <a:t> Programs</a:t>
-            </a:r>
-            <a:endParaRPr lang="zh-CN" altLang="en-US" dirty="0"/>
-          </a:p>
-        </p:txBody>
-      </p:sp>
-      <p:sp>
-        <p:nvSpPr>
-          <p:cNvPr id="3" name="副标题 2"/>
-          <p:cNvSpPr>
-            <a:spLocks noGrp="1"/>
-          </p:cNvSpPr>
-          <p:nvPr>
-            <p:ph type="subTitle" idx="1"/>
-          </p:nvPr>
-        </p:nvSpPr>
-        <p:spPr/>
-        <p:txBody>
-          <a:bodyPr/>
-          <a:lstStyle/>
-          <a:p>
-            <a:r>
-              <a:rPr lang="en-US" altLang="zh-CN" dirty="0" smtClean="0"/>
-              <a:t>A. Jackson and S. Clarke </a:t>
-            </a:r>
-            <a:br>
-              <a:rPr lang="en-US" altLang="zh-CN" dirty="0" smtClean="0"/>
-            </a:br>
-            <a:r>
-              <a:rPr lang="en-US" altLang="zh-CN" dirty="0" smtClean="0"/>
-              <a:t>2009</a:t>
-            </a:r>
-            <a:endParaRPr lang="zh-CN" altLang="en-US" dirty="0"/>
-          </a:p>
-        </p:txBody>
-      </p:sp>
-    </p:spTree>
-  </p:cSld>
-  <p:clrMapOvr>
-    <a:masterClrMapping/>
-  </p:clrMapOvr>
-</p:sld>
-</file>
-
 <file path=ppt/slides/slide38.xml><?xml version="1.0" encoding="utf-8"?>
 <p:sld xmlns:a="http://schemas.openxmlformats.org/drawingml/2006/main" xmlns:r="http://schemas.openxmlformats.org/officeDocument/2006/relationships" xmlns:p="http://schemas.openxmlformats.org/presentationml/2006/main">
   <p:cSld>
@@ -8783,15 +9082,7 @@
             </a:pPr>
             <a:r>
               <a:rPr lang="en-US" altLang="zh-CN" dirty="0" smtClean="0"/>
-              <a:t> </a:t>
-            </a:r>
-            <a:r>
-              <a:rPr lang="zh-CN" altLang="en-US" dirty="0" smtClean="0"/>
-              <a:t>概要</a:t>
-            </a:r>
-            <a:r>
-              <a:rPr lang="en-US" altLang="zh-CN" dirty="0" smtClean="0"/>
-              <a:t>	</a:t>
+              <a:t>  Quality Assurance Indicator</a:t>
             </a:r>
             <a:endParaRPr lang="zh-CN" altLang="en-US" dirty="0"/>
           </a:p>
@@ -8815,134 +9106,602 @@
           <a:lstStyle/>
           <a:p>
             <a:r>
-              <a:rPr lang="zh-CN" altLang="en-US" sz="2400" dirty="0" smtClean="0"/>
-              <a:t>本文</a:t>
-            </a:r>
-            <a:r>
-              <a:rPr lang="zh-CN" altLang="zh-CN" sz="2400" dirty="0" smtClean="0"/>
-              <a:t>提出</a:t>
-            </a:r>
-            <a:r>
-              <a:rPr lang="zh-CN" altLang="zh-CN" sz="2400" dirty="0" smtClean="0"/>
-              <a:t>了一个名为</a:t>
-            </a:r>
-            <a:r>
-              <a:rPr lang="en-US" altLang="zh-CN" sz="2400" dirty="0" err="1" smtClean="0"/>
-              <a:t>MuAspectJ</a:t>
-            </a:r>
-            <a:r>
-              <a:rPr lang="zh-CN" altLang="zh-CN" sz="2400" dirty="0" smtClean="0"/>
-              <a:t>的工具，用于生成用于测量</a:t>
-            </a:r>
-            <a:r>
-              <a:rPr lang="en-US" altLang="zh-CN" sz="2400" dirty="0" err="1" smtClean="0"/>
-              <a:t>AspectJ</a:t>
-            </a:r>
-            <a:r>
-              <a:rPr lang="zh-CN" altLang="zh-CN" sz="2400" dirty="0" smtClean="0"/>
-              <a:t>程序可测试性的突变体。还可以通过该工具测量</a:t>
-            </a:r>
-            <a:r>
-              <a:rPr lang="zh-CN" altLang="zh-CN" sz="2400" dirty="0" smtClean="0"/>
-              <a:t>可测试性</a:t>
-            </a:r>
-            <a:r>
-              <a:rPr lang="zh-CN" altLang="en-US" sz="2400" dirty="0" smtClean="0"/>
-              <a:t>。</a:t>
-            </a:r>
-            <a:endParaRPr lang="en-US" altLang="zh-CN" sz="2400" dirty="0" smtClean="0"/>
-          </a:p>
-          <a:p>
-            <a:endParaRPr lang="en-US" altLang="zh-CN" sz="2400" dirty="0" smtClean="0"/>
-          </a:p>
-          <a:p>
-            <a:r>
-              <a:rPr lang="zh-CN" altLang="zh-CN" sz="2400" dirty="0" smtClean="0"/>
-              <a:t>测量可测试性的一种方法是通过突变分析（</a:t>
-            </a:r>
-            <a:r>
-              <a:rPr lang="en-US" altLang="zh-CN" sz="2400" dirty="0" smtClean="0"/>
-              <a:t>MA</a:t>
-            </a:r>
-            <a:r>
-              <a:rPr lang="zh-CN" altLang="zh-CN" sz="2400" dirty="0" smtClean="0"/>
-              <a:t>）。在</a:t>
-            </a:r>
-            <a:r>
-              <a:rPr lang="en-US" altLang="zh-CN" sz="2400" dirty="0" smtClean="0"/>
-              <a:t>MA</a:t>
-            </a:r>
-            <a:r>
-              <a:rPr lang="zh-CN" altLang="zh-CN" sz="2400" dirty="0" smtClean="0"/>
-              <a:t>中，变异工具为软件中</a:t>
-            </a:r>
-            <a:r>
-              <a:rPr lang="zh-CN" altLang="zh-CN" sz="2400" dirty="0" smtClean="0"/>
+              <a:rPr lang="zh-CN" altLang="zh-CN" sz="2000" dirty="0" smtClean="0"/>
+              <a:t>方法</a:t>
+            </a:r>
+            <a:r>
+              <a:rPr lang="en-US" altLang="zh-CN" sz="2000" dirty="0" smtClean="0"/>
+              <a:t>Mi</a:t>
+            </a:r>
+            <a:r>
+              <a:rPr lang="zh-CN" altLang="zh-CN" sz="2000" dirty="0" smtClean="0"/>
               <a:t>的</a:t>
             </a:r>
             <a:r>
-              <a:rPr lang="en-US" altLang="zh-CN" sz="2400" dirty="0" smtClean="0"/>
-              <a:t>locations(</a:t>
-            </a:r>
-            <a:r>
-              <a:rPr lang="zh-CN" altLang="zh-CN" sz="2400" dirty="0" smtClean="0"/>
-              <a:t>位置</a:t>
-            </a:r>
-            <a:r>
-              <a:rPr lang="en-US" altLang="zh-CN" sz="2400" dirty="0" smtClean="0"/>
-              <a:t>)</a:t>
-            </a:r>
-            <a:r>
-              <a:rPr lang="zh-CN" altLang="zh-CN" sz="2400" dirty="0" smtClean="0"/>
-              <a:t>生成</a:t>
-            </a:r>
-            <a:r>
-              <a:rPr lang="zh-CN" altLang="zh-CN" sz="2400" dirty="0" smtClean="0"/>
-              <a:t>故障。每个故障都是在称为突变体的软件的新版本中创建的</a:t>
-            </a:r>
-            <a:r>
-              <a:rPr lang="zh-CN" altLang="zh-CN" sz="2400" dirty="0" smtClean="0"/>
-              <a:t>。</a:t>
-            </a:r>
-            <a:endParaRPr lang="en-US" altLang="zh-CN" sz="2400" dirty="0" smtClean="0"/>
+              <a:rPr lang="en-US" altLang="zh-CN" sz="2000" dirty="0" err="1" smtClean="0"/>
+              <a:t>Qi</a:t>
+            </a:r>
+            <a:r>
+              <a:rPr lang="zh-CN" altLang="zh-CN" sz="2000" dirty="0" smtClean="0"/>
+              <a:t>由下式给出：</a:t>
+            </a:r>
+            <a:endParaRPr lang="en-US" altLang="zh-CN" sz="2000" dirty="0" smtClean="0"/>
+          </a:p>
+          <a:p>
+            <a:endParaRPr lang="en-US" altLang="zh-CN" sz="2000" dirty="0" smtClean="0"/>
+          </a:p>
+          <a:p>
+            <a:endParaRPr lang="en-US" altLang="zh-CN" sz="2000" dirty="0" smtClean="0"/>
+          </a:p>
+          <a:p>
+            <a:endParaRPr lang="en-US" altLang="zh-CN" sz="2000" dirty="0" smtClean="0"/>
+          </a:p>
+          <a:p>
+            <a:endParaRPr lang="en-US" altLang="zh-CN" sz="2000" dirty="0" smtClean="0"/>
           </a:p>
           <a:p>
             <a:pPr>
               <a:buNone/>
             </a:pPr>
-            <a:r>
-              <a:rPr lang="en-US" altLang="zh-CN" sz="2400" b="1" dirty="0" smtClean="0"/>
+            <a:endParaRPr lang="en-US" altLang="zh-CN" sz="2000" dirty="0" smtClean="0"/>
+          </a:p>
+          <a:p>
+            <a:r>
+              <a:rPr lang="en-US" altLang="zh-CN" sz="2000" dirty="0" err="1" smtClean="0"/>
+              <a:t>Qi</a:t>
+            </a:r>
+            <a:r>
+              <a:rPr lang="zh-CN" altLang="zh-CN" sz="2000" dirty="0" smtClean="0"/>
+              <a:t>度量的计算完全由我们为</a:t>
+            </a:r>
+            <a:r>
+              <a:rPr lang="en-US" altLang="zh-CN" sz="2000" dirty="0" smtClean="0"/>
+              <a:t>Java</a:t>
+            </a:r>
+            <a:r>
+              <a:rPr lang="zh-CN" altLang="zh-CN" sz="2000" dirty="0" smtClean="0"/>
+              <a:t>软件系统开发的</a:t>
+            </a:r>
+            <a:r>
+              <a:rPr lang="en-US" altLang="zh-CN" sz="2000" dirty="0" smtClean="0"/>
+              <a:t>Eclipse</a:t>
+            </a:r>
+            <a:r>
+              <a:rPr lang="zh-CN" altLang="zh-CN" sz="2000" dirty="0" smtClean="0"/>
+              <a:t>插件自动完成。</a:t>
+            </a:r>
+            <a:endParaRPr lang="en-US" altLang="zh-CN" sz="2000" dirty="0" smtClean="0"/>
+          </a:p>
+          <a:p>
+            <a:r>
+              <a:rPr lang="zh-CN" altLang="zh-CN" sz="2000" dirty="0" smtClean="0"/>
+              <a:t>方法</a:t>
+            </a:r>
+            <a:r>
+              <a:rPr lang="en-US" altLang="zh-CN" sz="2000" dirty="0" smtClean="0"/>
+              <a:t>Mi</a:t>
+            </a:r>
+            <a:r>
+              <a:rPr lang="zh-CN" altLang="zh-CN" sz="2000" dirty="0" smtClean="0"/>
+              <a:t>的内在质量保证指标，标记为</a:t>
+            </a:r>
+            <a:r>
+              <a:rPr lang="en-US" altLang="zh-CN" sz="2000" dirty="0" smtClean="0"/>
+              <a:t>     </a:t>
+            </a:r>
+            <a:r>
+              <a:rPr lang="zh-CN" altLang="zh-CN" sz="2000" dirty="0" smtClean="0"/>
+              <a:t>。其取决于其圈复杂度以及其单元测试覆盖率（作为测试工作的指标）。它由它给出</a:t>
+            </a:r>
+          </a:p>
+          <a:p>
+            <a:endParaRPr lang="zh-CN" altLang="zh-CN" sz="2000" dirty="0" smtClean="0"/>
+          </a:p>
+          <a:p>
+            <a:endParaRPr lang="zh-CN" altLang="en-US" sz="2000" dirty="0"/>
+          </a:p>
+        </p:txBody>
+      </p:sp>
+      <p:pic>
+        <p:nvPicPr>
+          <p:cNvPr id="4" name="图片 3"/>
+          <p:cNvPicPr/>
+          <p:nvPr/>
+        </p:nvPicPr>
+        <p:blipFill>
+          <a:blip r:embed="rId3" cstate="print"/>
+          <a:srcRect/>
+          <a:stretch>
+            <a:fillRect/>
+          </a:stretch>
+        </p:blipFill>
+        <p:spPr bwMode="auto">
+          <a:xfrm>
+            <a:off x="1187624" y="2060848"/>
+            <a:ext cx="5274310" cy="746532"/>
+          </a:xfrm>
+          <a:prstGeom prst="rect">
+            <a:avLst/>
+          </a:prstGeom>
+          <a:noFill/>
+          <a:ln w="9525">
+            <a:noFill/>
+            <a:miter lim="800000"/>
+            <a:headEnd/>
+            <a:tailEnd/>
+          </a:ln>
+        </p:spPr>
+      </p:pic>
+      <p:sp>
+        <p:nvSpPr>
+          <p:cNvPr id="3076" name="Rectangle 4"/>
+          <p:cNvSpPr>
+            <a:spLocks noChangeArrowheads="1"/>
+          </p:cNvSpPr>
+          <p:nvPr/>
+        </p:nvSpPr>
+        <p:spPr bwMode="auto">
+          <a:xfrm>
+            <a:off x="0" y="0"/>
+            <a:ext cx="9144000" cy="0"/>
+          </a:xfrm>
+          <a:prstGeom prst="rect">
+            <a:avLst/>
+          </a:prstGeom>
+          <a:noFill/>
+          <a:ln w="9525">
+            <a:noFill/>
+            <a:miter lim="800000"/>
+            <a:headEnd/>
+            <a:tailEnd/>
+          </a:ln>
+          <a:effectLst/>
+        </p:spPr>
+        <p:txBody>
+          <a:bodyPr vert="horz" wrap="none" lIns="91440" tIns="45720" rIns="91440" bIns="45720" numCol="1" anchor="ctr" anchorCtr="0" compatLnSpc="1">
+            <a:prstTxWarp prst="textNoShape">
+              <a:avLst/>
+            </a:prstTxWarp>
+            <a:spAutoFit/>
+          </a:bodyPr>
+          <a:lstStyle/>
+          <a:p>
+            <a:endParaRPr lang="zh-CN" altLang="en-US"/>
+          </a:p>
+        </p:txBody>
+      </p:sp>
+      <p:sp>
+        <p:nvSpPr>
+          <p:cNvPr id="3080" name="Rectangle 8"/>
+          <p:cNvSpPr>
+            <a:spLocks noChangeArrowheads="1"/>
+          </p:cNvSpPr>
+          <p:nvPr/>
+        </p:nvSpPr>
+        <p:spPr bwMode="auto">
+          <a:xfrm>
+            <a:off x="0" y="0"/>
+            <a:ext cx="9144000" cy="457200"/>
+          </a:xfrm>
+          <a:prstGeom prst="rect">
+            <a:avLst/>
+          </a:prstGeom>
+          <a:noFill/>
+          <a:ln w="9525">
+            <a:noFill/>
+            <a:miter lim="800000"/>
+            <a:headEnd/>
+            <a:tailEnd/>
+          </a:ln>
+          <a:effectLst/>
+        </p:spPr>
+        <p:txBody>
+          <a:bodyPr vert="horz" wrap="none" lIns="91440" tIns="45720" rIns="91440" bIns="45720" numCol="1" anchor="ctr" anchorCtr="0" compatLnSpc="1">
+            <a:prstTxWarp prst="textNoShape">
+              <a:avLst/>
+            </a:prstTxWarp>
+            <a:spAutoFit/>
+          </a:bodyPr>
+          <a:lstStyle/>
+          <a:p>
+            <a:endParaRPr lang="zh-CN" altLang="en-US"/>
+          </a:p>
+        </p:txBody>
+      </p:sp>
+      <p:pic>
+        <p:nvPicPr>
+          <p:cNvPr id="3079" name="Picture 7"/>
+          <p:cNvPicPr>
+            <a:picLocks noChangeAspect="1" noChangeArrowheads="1"/>
+          </p:cNvPicPr>
+          <p:nvPr/>
+        </p:nvPicPr>
+        <p:blipFill>
+          <a:blip r:embed="rId4" cstate="print">
+            <a:clrChange>
+              <a:clrFrom>
+                <a:srgbClr val="FFFFFF"/>
+              </a:clrFrom>
+              <a:clrTo>
+                <a:srgbClr val="FFFFFF">
+                  <a:alpha val="0"/>
+                </a:srgbClr>
+              </a:clrTo>
+            </a:clrChange>
+          </a:blip>
+          <a:srcRect/>
+          <a:stretch>
+            <a:fillRect/>
+          </a:stretch>
+        </p:blipFill>
+        <p:spPr bwMode="auto">
+          <a:xfrm>
+            <a:off x="1043608" y="2996952"/>
+            <a:ext cx="4686300" cy="209550"/>
+          </a:xfrm>
+          <a:prstGeom prst="rect">
+            <a:avLst/>
+          </a:prstGeom>
+          <a:noFill/>
+        </p:spPr>
+      </p:pic>
+      <p:sp>
+        <p:nvSpPr>
+          <p:cNvPr id="3082" name="Rectangle 10"/>
+          <p:cNvSpPr>
+            <a:spLocks noChangeArrowheads="1"/>
+          </p:cNvSpPr>
+          <p:nvPr/>
+        </p:nvSpPr>
+        <p:spPr bwMode="auto">
+          <a:xfrm>
+            <a:off x="0" y="0"/>
+            <a:ext cx="9144000" cy="457200"/>
+          </a:xfrm>
+          <a:prstGeom prst="rect">
+            <a:avLst/>
+          </a:prstGeom>
+          <a:noFill/>
+          <a:ln w="9525">
+            <a:noFill/>
+            <a:miter lim="800000"/>
+            <a:headEnd/>
+            <a:tailEnd/>
+          </a:ln>
+          <a:effectLst/>
+        </p:spPr>
+        <p:txBody>
+          <a:bodyPr vert="horz" wrap="none" lIns="91440" tIns="45720" rIns="91440" bIns="45720" numCol="1" anchor="ctr" anchorCtr="0" compatLnSpc="1">
+            <a:prstTxWarp prst="textNoShape">
+              <a:avLst/>
+            </a:prstTxWarp>
+            <a:spAutoFit/>
+          </a:bodyPr>
+          <a:lstStyle/>
+          <a:p>
+            <a:endParaRPr lang="zh-CN" altLang="en-US"/>
+          </a:p>
+        </p:txBody>
+      </p:sp>
+      <p:pic>
+        <p:nvPicPr>
+          <p:cNvPr id="3081" name="Picture 9"/>
+          <p:cNvPicPr>
+            <a:picLocks noChangeAspect="1" noChangeArrowheads="1"/>
+          </p:cNvPicPr>
+          <p:nvPr/>
+        </p:nvPicPr>
+        <p:blipFill>
+          <a:blip r:embed="rId5" cstate="print">
+            <a:clrChange>
+              <a:clrFrom>
+                <a:srgbClr val="FFFFFF"/>
+              </a:clrFrom>
+              <a:clrTo>
+                <a:srgbClr val="FFFFFF">
+                  <a:alpha val="0"/>
+                </a:srgbClr>
+              </a:clrTo>
+            </a:clrChange>
+          </a:blip>
+          <a:srcRect/>
+          <a:stretch>
+            <a:fillRect/>
+          </a:stretch>
+        </p:blipFill>
+        <p:spPr bwMode="auto">
+          <a:xfrm>
+            <a:off x="1043608" y="3429000"/>
+            <a:ext cx="5781675" cy="209550"/>
+          </a:xfrm>
+          <a:prstGeom prst="rect">
+            <a:avLst/>
+          </a:prstGeom>
+          <a:noFill/>
+        </p:spPr>
+      </p:pic>
+      <p:sp>
+        <p:nvSpPr>
+          <p:cNvPr id="3084" name="Rectangle 12"/>
+          <p:cNvSpPr>
+            <a:spLocks noChangeArrowheads="1"/>
+          </p:cNvSpPr>
+          <p:nvPr/>
+        </p:nvSpPr>
+        <p:spPr bwMode="auto">
+          <a:xfrm>
+            <a:off x="0" y="0"/>
+            <a:ext cx="9144000" cy="0"/>
+          </a:xfrm>
+          <a:prstGeom prst="rect">
+            <a:avLst/>
+          </a:prstGeom>
+          <a:noFill/>
+          <a:ln w="9525">
+            <a:noFill/>
+            <a:miter lim="800000"/>
+            <a:headEnd/>
+            <a:tailEnd/>
+          </a:ln>
+          <a:effectLst/>
+        </p:spPr>
+        <p:txBody>
+          <a:bodyPr vert="horz" wrap="none" lIns="91440" tIns="45720" rIns="91440" bIns="45720" numCol="1" anchor="ctr" anchorCtr="0" compatLnSpc="1">
+            <a:prstTxWarp prst="textNoShape">
+              <a:avLst/>
+            </a:prstTxWarp>
+            <a:spAutoFit/>
+          </a:bodyPr>
+          <a:lstStyle/>
+          <a:p>
+            <a:endParaRPr lang="zh-CN" altLang="en-US"/>
+          </a:p>
+        </p:txBody>
+      </p:sp>
+      <p:pic>
+        <p:nvPicPr>
+          <p:cNvPr id="3083" name="Picture 11"/>
+          <p:cNvPicPr>
+            <a:picLocks noChangeAspect="1" noChangeArrowheads="1"/>
+          </p:cNvPicPr>
+          <p:nvPr/>
+        </p:nvPicPr>
+        <p:blipFill>
+          <a:blip r:embed="rId6" cstate="print">
+            <a:clrChange>
+              <a:clrFrom>
+                <a:srgbClr val="FFFFFF"/>
+              </a:clrFrom>
+              <a:clrTo>
+                <a:srgbClr val="FFFFFF">
+                  <a:alpha val="0"/>
+                </a:srgbClr>
+              </a:clrTo>
+            </a:clrChange>
+          </a:blip>
+          <a:srcRect/>
+          <a:stretch>
+            <a:fillRect/>
+          </a:stretch>
+        </p:blipFill>
+        <p:spPr bwMode="auto">
+          <a:xfrm>
+            <a:off x="4932040" y="4293096"/>
+            <a:ext cx="247650" cy="180975"/>
+          </a:xfrm>
+          <a:prstGeom prst="rect">
+            <a:avLst/>
+          </a:prstGeom>
+          <a:noFill/>
+        </p:spPr>
+      </p:pic>
+      <p:pic>
+        <p:nvPicPr>
+          <p:cNvPr id="18" name="图片 17"/>
+          <p:cNvPicPr/>
+          <p:nvPr/>
+        </p:nvPicPr>
+        <p:blipFill>
+          <a:blip r:embed="rId7" cstate="print"/>
+          <a:srcRect/>
+          <a:stretch>
+            <a:fillRect/>
+          </a:stretch>
+        </p:blipFill>
+        <p:spPr bwMode="auto">
+          <a:xfrm>
+            <a:off x="1475656" y="4869160"/>
+            <a:ext cx="4680520" cy="864096"/>
+          </a:xfrm>
+          <a:prstGeom prst="rect">
+            <a:avLst/>
+          </a:prstGeom>
+          <a:noFill/>
+          <a:ln w="9525">
+            <a:noFill/>
+            <a:miter lim="800000"/>
+            <a:headEnd/>
+            <a:tailEnd/>
+          </a:ln>
+        </p:spPr>
+      </p:pic>
+      <p:sp>
+        <p:nvSpPr>
+          <p:cNvPr id="3091" name="Rectangle 19"/>
+          <p:cNvSpPr>
+            <a:spLocks noChangeArrowheads="1"/>
+          </p:cNvSpPr>
+          <p:nvPr/>
+        </p:nvSpPr>
+        <p:spPr bwMode="auto">
+          <a:xfrm>
+            <a:off x="0" y="0"/>
+            <a:ext cx="9144000" cy="0"/>
+          </a:xfrm>
+          <a:prstGeom prst="rect">
+            <a:avLst/>
+          </a:prstGeom>
+          <a:noFill/>
+          <a:ln w="9525">
+            <a:noFill/>
+            <a:miter lim="800000"/>
+            <a:headEnd/>
+            <a:tailEnd/>
+          </a:ln>
+          <a:effectLst/>
+        </p:spPr>
+        <p:txBody>
+          <a:bodyPr vert="horz" wrap="none" lIns="91440" tIns="45720" rIns="91440" bIns="45720" numCol="1" anchor="ctr" anchorCtr="0" compatLnSpc="1">
+            <a:prstTxWarp prst="textNoShape">
+              <a:avLst/>
+            </a:prstTxWarp>
+            <a:spAutoFit/>
+          </a:bodyPr>
+          <a:lstStyle/>
+          <a:p>
+            <a:endParaRPr lang="zh-CN" altLang="en-US"/>
+          </a:p>
+        </p:txBody>
+      </p:sp>
+      <p:sp>
+        <p:nvSpPr>
+          <p:cNvPr id="3092" name="Rectangle 20"/>
+          <p:cNvSpPr>
+            <a:spLocks noChangeArrowheads="1"/>
+          </p:cNvSpPr>
+          <p:nvPr/>
+        </p:nvSpPr>
+        <p:spPr bwMode="auto">
+          <a:xfrm>
+            <a:off x="0" y="190500"/>
+            <a:ext cx="9144000" cy="0"/>
+          </a:xfrm>
+          <a:prstGeom prst="rect">
+            <a:avLst/>
+          </a:prstGeom>
+          <a:noFill/>
+          <a:ln w="9525">
+            <a:noFill/>
+            <a:miter lim="800000"/>
+            <a:headEnd/>
+            <a:tailEnd/>
+          </a:ln>
+          <a:effectLst/>
+        </p:spPr>
+        <p:txBody>
+          <a:bodyPr vert="horz" wrap="none" lIns="91440" tIns="45720" rIns="91440" bIns="45720" numCol="1" anchor="ctr" anchorCtr="0" compatLnSpc="1">
+            <a:prstTxWarp prst="textNoShape">
+              <a:avLst/>
+            </a:prstTxWarp>
+            <a:spAutoFit/>
+          </a:bodyPr>
+          <a:lstStyle/>
+          <a:p>
+            <a:pPr marL="0" marR="0" lvl="0" indent="0" algn="l" defTabSz="914400" rtl="0" eaLnBrk="1" fontAlgn="base" latinLnBrk="0" hangingPunct="1">
+              <a:lnSpc>
+                <a:spcPct val="100000"/>
+              </a:lnSpc>
+              <a:spcBef>
+                <a:spcPct val="0"/>
+              </a:spcBef>
+              <a:spcAft>
+                <a:spcPct val="0"/>
+              </a:spcAft>
+              <a:buClrTx/>
+              <a:buSzTx/>
+              <a:buFontTx/>
+              <a:buNone/>
+              <a:tabLst/>
+            </a:pPr>
+            <a:r>
+              <a:rPr kumimoji="0" lang="zh-CN" altLang="en-US" sz="1000" b="0" i="0" u="none" strike="noStrike" cap="none" normalizeH="0" baseline="0" smtClean="0">
+                <a:ln>
+                  <a:noFill/>
+                </a:ln>
+                <a:solidFill>
+                  <a:schemeClr val="tx1"/>
+                </a:solidFill>
+                <a:effectLst/>
+                <a:latin typeface="Arial" pitchFamily="34" charset="0"/>
+                <a:ea typeface="等线" charset="-122"/>
+                <a:cs typeface="Times New Roman" pitchFamily="18" charset="0"/>
+              </a:rPr>
+              <a:t>，</a:t>
+            </a:r>
+            <a:r>
+              <a:rPr kumimoji="0" lang="zh-CN" altLang="en-US" sz="800" b="0" i="0" u="none" strike="noStrike" cap="none" normalizeH="0" baseline="0" smtClean="0">
+                <a:ln>
+                  <a:noFill/>
+                </a:ln>
+                <a:solidFill>
+                  <a:schemeClr val="tx1"/>
+                </a:solidFill>
+                <a:effectLst/>
+                <a:latin typeface="Arial" pitchFamily="34" charset="0"/>
+                <a:ea typeface="宋体" pitchFamily="2" charset="-122"/>
+                <a:cs typeface="宋体" pitchFamily="2" charset="-122"/>
+              </a:rPr>
               <a:t> </a:t>
             </a:r>
-            <a:r>
-              <a:rPr lang="en-US" altLang="zh-CN" sz="2400" b="1" dirty="0" smtClean="0"/>
-              <a:t>    </a:t>
-            </a:r>
-            <a:r>
-              <a:rPr lang="zh-CN" altLang="en-US" sz="2400" b="1" dirty="0" smtClean="0"/>
-              <a:t>测量</a:t>
-            </a:r>
-            <a:r>
-              <a:rPr lang="zh-CN" altLang="en-US" sz="2400" b="1" dirty="0" smtClean="0"/>
-              <a:t>方法：</a:t>
-            </a:r>
-            <a:r>
-              <a:rPr lang="zh-CN" altLang="zh-CN" sz="2400" b="1" dirty="0" smtClean="0"/>
-              <a:t>通过</a:t>
-            </a:r>
-            <a:r>
-              <a:rPr lang="zh-CN" altLang="zh-CN" sz="2400" b="1" dirty="0" smtClean="0"/>
-              <a:t>对突变体进行测试并计算导致测试失败的突变体的比例来测量位置的可测试性</a:t>
-            </a:r>
-            <a:endParaRPr lang="zh-CN" altLang="en-US" sz="2400" b="1" dirty="0"/>
-          </a:p>
-        </p:txBody>
-      </p:sp>
+            <a:endParaRPr kumimoji="0" lang="zh-CN" altLang="en-US" sz="1800" b="0" i="0" u="none" strike="noStrike" cap="none" normalizeH="0" baseline="0" smtClean="0">
+              <a:ln>
+                <a:noFill/>
+              </a:ln>
+              <a:solidFill>
+                <a:schemeClr val="tx1"/>
+              </a:solidFill>
+              <a:effectLst/>
+              <a:latin typeface="Arial" pitchFamily="34" charset="0"/>
+              <a:ea typeface="宋体" pitchFamily="2" charset="-122"/>
+              <a:cs typeface="宋体" pitchFamily="2" charset="-122"/>
+            </a:endParaRPr>
+          </a:p>
+        </p:txBody>
+      </p:sp>
+      <p:pic>
+        <p:nvPicPr>
+          <p:cNvPr id="3093" name="Picture 21"/>
+          <p:cNvPicPr>
+            <a:picLocks noChangeAspect="1" noChangeArrowheads="1"/>
+          </p:cNvPicPr>
+          <p:nvPr/>
+        </p:nvPicPr>
+        <p:blipFill>
+          <a:blip r:embed="rId8" cstate="print"/>
+          <a:srcRect/>
+          <a:stretch>
+            <a:fillRect/>
+          </a:stretch>
+        </p:blipFill>
+        <p:spPr bwMode="auto">
+          <a:xfrm>
+            <a:off x="1331640" y="5733256"/>
+            <a:ext cx="5638800" cy="1052736"/>
+          </a:xfrm>
+          <a:prstGeom prst="rect">
+            <a:avLst/>
+          </a:prstGeom>
+          <a:noFill/>
+          <a:ln w="9525">
+            <a:noFill/>
+            <a:miter lim="800000"/>
+            <a:headEnd/>
+            <a:tailEnd/>
+          </a:ln>
+        </p:spPr>
+      </p:pic>
     </p:spTree>
   </p:cSld>
   <p:clrMapOvr>
     <a:masterClrMapping/>
   </p:clrMapOvr>
+  <p:timing>
+    <p:tnLst>
+      <p:par>
+        <p:cTn id="1" dur="indefinite" restart="never" nodeType="tmRoot"/>
+      </p:par>
+    </p:tnLst>
+  </p:timing>
 </p:sld>
 </file>
 
@@ -8970,7 +9729,7 @@
             <a:spLocks noGrp="1"/>
           </p:cNvSpPr>
           <p:nvPr>
-            <p:ph type="ctrTitle"/>
+            <p:ph type="title"/>
           </p:nvPr>
         </p:nvSpPr>
         <p:spPr/>
@@ -8978,9 +9737,13 @@
           <a:bodyPr/>
           <a:lstStyle/>
           <a:p>
-            <a:r>
-              <a:rPr lang="en-US" altLang="zh-CN" dirty="0" smtClean="0"/>
-              <a:t>Predicting Testability of Eclipse: A Case Study</a:t>
+            <a:pPr algn="l">
+              <a:buFont typeface="Wingdings" pitchFamily="2" charset="2"/>
+              <a:buChar char="Ø"/>
+            </a:pPr>
+            <a:r>
+              <a:rPr lang="zh-CN" altLang="en-US" dirty="0" smtClean="0"/>
+              <a:t> 总结</a:t>
             </a:r>
             <a:endParaRPr lang="zh-CN" altLang="en-US" dirty="0"/>
           </a:p>
@@ -8988,51 +9751,66 @@
       </p:sp>
       <p:sp>
         <p:nvSpPr>
-          <p:cNvPr id="3" name="副标题 2"/>
-          <p:cNvSpPr>
-            <a:spLocks noGrp="1"/>
-          </p:cNvSpPr>
-          <p:nvPr>
-            <p:ph type="subTitle" idx="1"/>
+          <p:cNvPr id="3" name="内容占位符 2"/>
+          <p:cNvSpPr>
+            <a:spLocks noGrp="1"/>
+          </p:cNvSpPr>
+          <p:nvPr>
+            <p:ph idx="1"/>
           </p:nvPr>
         </p:nvSpPr>
         <p:spPr/>
         <p:txBody>
           <a:bodyPr>
-            <a:normAutofit fontScale="92500" lnSpcReduction="20000"/>
+            <a:normAutofit/>
           </a:bodyPr>
           <a:lstStyle/>
           <a:p>
             <a:r>
-              <a:rPr lang="en-US" altLang="zh-CN" dirty="0" smtClean="0"/>
-              <a:t>Y. Singh and A. </a:t>
-            </a:r>
-            <a:r>
-              <a:rPr lang="en-US" altLang="zh-CN" dirty="0" err="1" smtClean="0"/>
-              <a:t>Saha</a:t>
-            </a:r>
-            <a:r>
-              <a:rPr lang="en-US" altLang="zh-CN" dirty="0" smtClean="0"/>
+              <a:rPr lang="zh-CN" altLang="zh-CN" sz="2400" dirty="0" smtClean="0"/>
+              <a:t>在本文中，我们提出了一个度量标准，以集成的方式捕获</a:t>
+            </a:r>
+            <a:r>
+              <a:rPr lang="en-US" altLang="zh-CN" sz="2400" dirty="0" smtClean="0"/>
+              <a:t>OOS</a:t>
+            </a:r>
+            <a:r>
+              <a:rPr lang="zh-CN" altLang="zh-CN" sz="2400" dirty="0" smtClean="0"/>
+              <a:t>的不同属性。该度量标准称为质量保证指标</a:t>
+            </a:r>
+            <a:r>
+              <a:rPr lang="en-US" altLang="zh-CN" sz="2400" dirty="0" err="1" smtClean="0"/>
+              <a:t>Qi</a:t>
+            </a:r>
+            <a:r>
+              <a:rPr lang="en-US" altLang="zh-CN" sz="2400" dirty="0" smtClean="0"/>
               <a:t> </a:t>
             </a:r>
-            <a:endParaRPr lang="en-US" altLang="zh-CN" dirty="0" smtClean="0"/>
-          </a:p>
-          <a:p>
-            <a:r>
-              <a:rPr lang="en-US" altLang="zh-CN" dirty="0" smtClean="0"/>
-              <a:t/>
-            </a:r>
-            <a:br>
-              <a:rPr lang="en-US" altLang="zh-CN" dirty="0" smtClean="0"/>
-            </a:br>
-            <a:r>
-              <a:rPr lang="en-US" altLang="zh-CN" dirty="0" smtClean="0"/>
-              <a:t>Journal of Software Engineering, 2010 </a:t>
-            </a:r>
-            <a:br>
-              <a:rPr lang="en-US" altLang="zh-CN" dirty="0" smtClean="0"/>
-            </a:br>
-            <a:endParaRPr lang="zh-CN" altLang="en-US" dirty="0"/>
+            <a:r>
+              <a:rPr lang="zh-CN" altLang="zh-CN" sz="2400" dirty="0" smtClean="0"/>
+              <a:t>，它使用控制流路径和概率，并捕获类之间的协作。</a:t>
+            </a:r>
+            <a:endParaRPr lang="en-US" altLang="zh-CN" sz="2400" dirty="0" smtClean="0"/>
+          </a:p>
+          <a:p>
+            <a:endParaRPr lang="en-US" altLang="zh-CN" sz="2400" dirty="0" smtClean="0"/>
+          </a:p>
+          <a:p>
+            <a:r>
+              <a:rPr lang="zh-CN" altLang="zh-CN" sz="2400" dirty="0" smtClean="0"/>
+              <a:t>本文根据经验研究了提出的度量与类的可测性之间的关系。从单元测试的角度研究了可测试性</a:t>
+            </a:r>
+            <a:endParaRPr lang="en-US" altLang="zh-CN" sz="2400" dirty="0" smtClean="0"/>
+          </a:p>
+          <a:p>
+            <a:endParaRPr lang="en-US" altLang="zh-CN" sz="2400" dirty="0" smtClean="0"/>
+          </a:p>
+          <a:p>
+            <a:r>
+              <a:rPr lang="zh-CN" altLang="zh-CN" sz="2400" dirty="0" smtClean="0"/>
+              <a:t>本文的研究结果应被视为具有探索性和指示性而非决定性的。此外，已知软件可测试性受许多不同因素的影响，扩展使用的测试用例指标套件以更好地反映测试工作量将是有趣的。</a:t>
+            </a:r>
+            <a:endParaRPr lang="zh-CN" altLang="en-US" sz="2400" dirty="0"/>
           </a:p>
         </p:txBody>
       </p:sp>
@@ -9041,6 +9819,13 @@
   <p:clrMapOvr>
     <a:masterClrMapping/>
   </p:clrMapOvr>
+  <p:timing>
+    <p:tnLst>
+      <p:par>
+        <p:cTn id="1" dur="indefinite" restart="never" nodeType="tmRoot"/>
+      </p:par>
+    </p:tnLst>
+  </p:timing>
 </p:sld>
 </file>
 
@@ -9193,6 +9978,110 @@
             <a:spLocks noGrp="1"/>
           </p:cNvSpPr>
           <p:nvPr>
+            <p:ph type="ctrTitle"/>
+          </p:nvPr>
+        </p:nvSpPr>
+        <p:spPr>
+          <a:xfrm>
+            <a:off x="685800" y="1628801"/>
+            <a:ext cx="7772400" cy="1971650"/>
+          </a:xfrm>
+        </p:spPr>
+        <p:txBody>
+          <a:bodyPr>
+            <a:normAutofit fontScale="90000"/>
+          </a:bodyPr>
+          <a:lstStyle/>
+          <a:p>
+            <a:r>
+              <a:rPr lang="en-US" altLang="zh-CN" dirty="0" err="1" smtClean="0"/>
+              <a:t>MuAspectJ</a:t>
+            </a:r>
+            <a:r>
+              <a:rPr lang="en-US" altLang="zh-CN" dirty="0" smtClean="0"/>
+              <a:t>: Mutant Generation to Support Measuring the Testability of </a:t>
+            </a:r>
+            <a:r>
+              <a:rPr lang="en-US" altLang="zh-CN" dirty="0" err="1" smtClean="0"/>
+              <a:t>AspectJ</a:t>
+            </a:r>
+            <a:r>
+              <a:rPr lang="en-US" altLang="zh-CN" dirty="0" smtClean="0"/>
+              <a:t> Programs</a:t>
+            </a:r>
+            <a:endParaRPr lang="zh-CN" altLang="en-US" dirty="0"/>
+          </a:p>
+        </p:txBody>
+      </p:sp>
+      <p:sp>
+        <p:nvSpPr>
+          <p:cNvPr id="3" name="副标题 2"/>
+          <p:cNvSpPr>
+            <a:spLocks noGrp="1"/>
+          </p:cNvSpPr>
+          <p:nvPr>
+            <p:ph type="subTitle" idx="1"/>
+          </p:nvPr>
+        </p:nvSpPr>
+        <p:spPr/>
+        <p:txBody>
+          <a:bodyPr/>
+          <a:lstStyle/>
+          <a:p>
+            <a:r>
+              <a:rPr lang="en-US" altLang="zh-CN" dirty="0" smtClean="0"/>
+              <a:t>A. Jackson and S. Clarke </a:t>
+            </a:r>
+            <a:br>
+              <a:rPr lang="en-US" altLang="zh-CN" dirty="0" smtClean="0"/>
+            </a:br>
+            <a:r>
+              <a:rPr lang="en-US" altLang="zh-CN" dirty="0" smtClean="0"/>
+              <a:t>2009</a:t>
+            </a:r>
+            <a:endParaRPr lang="zh-CN" altLang="en-US" dirty="0"/>
+          </a:p>
+        </p:txBody>
+      </p:sp>
+    </p:spTree>
+  </p:cSld>
+  <p:clrMapOvr>
+    <a:masterClrMapping/>
+  </p:clrMapOvr>
+  <p:timing>
+    <p:tnLst>
+      <p:par>
+        <p:cTn id="1" dur="indefinite" restart="never" nodeType="tmRoot"/>
+      </p:par>
+    </p:tnLst>
+  </p:timing>
+</p:sld>
+</file>
+
+<file path=ppt/slides/slide41.xml><?xml version="1.0" encoding="utf-8"?>
+<p:sld xmlns:a="http://schemas.openxmlformats.org/drawingml/2006/main" xmlns:r="http://schemas.openxmlformats.org/officeDocument/2006/relationships" xmlns:p="http://schemas.openxmlformats.org/presentationml/2006/main">
+  <p:cSld>
+    <p:spTree>
+      <p:nvGrpSpPr>
+        <p:cNvPr id="1" name=""/>
+        <p:cNvGrpSpPr/>
+        <p:nvPr/>
+      </p:nvGrpSpPr>
+      <p:grpSpPr>
+        <a:xfrm>
+          <a:off x="0" y="0"/>
+          <a:ext cx="0" cy="0"/>
+          <a:chOff x="0" y="0"/>
+          <a:chExt cx="0" cy="0"/>
+        </a:xfrm>
+      </p:grpSpPr>
+      <p:sp>
+        <p:nvSpPr>
+          <p:cNvPr id="2" name="标题 1"/>
+          <p:cNvSpPr>
+            <a:spLocks noGrp="1"/>
+          </p:cNvSpPr>
+          <p:nvPr>
             <p:ph type="title"/>
           </p:nvPr>
         </p:nvSpPr>
@@ -9206,6 +10095,272 @@
               <a:buChar char="Ø"/>
             </a:pPr>
             <a:r>
+              <a:rPr lang="en-US" altLang="zh-CN" dirty="0" smtClean="0"/>
+              <a:t> </a:t>
+            </a:r>
+            <a:r>
+              <a:rPr lang="zh-CN" altLang="en-US" dirty="0" smtClean="0"/>
+              <a:t>概要</a:t>
+            </a:r>
+            <a:r>
+              <a:rPr lang="en-US" altLang="zh-CN" dirty="0" smtClean="0"/>
+              <a:t>	</a:t>
+            </a:r>
+            <a:endParaRPr lang="zh-CN" altLang="en-US" dirty="0"/>
+          </a:p>
+        </p:txBody>
+      </p:sp>
+      <p:sp>
+        <p:nvSpPr>
+          <p:cNvPr id="3" name="内容占位符 2"/>
+          <p:cNvSpPr>
+            <a:spLocks noGrp="1"/>
+          </p:cNvSpPr>
+          <p:nvPr>
+            <p:ph idx="1"/>
+          </p:nvPr>
+        </p:nvSpPr>
+        <p:spPr/>
+        <p:txBody>
+          <a:bodyPr>
+            <a:normAutofit/>
+          </a:bodyPr>
+          <a:lstStyle/>
+          <a:p>
+            <a:r>
+              <a:rPr lang="zh-CN" altLang="en-US" sz="2400" dirty="0" smtClean="0"/>
+              <a:t>本文</a:t>
+            </a:r>
+            <a:r>
+              <a:rPr lang="zh-CN" altLang="zh-CN" sz="2400" dirty="0" smtClean="0"/>
+              <a:t>提出了一个名为</a:t>
+            </a:r>
+            <a:r>
+              <a:rPr lang="en-US" altLang="zh-CN" sz="2400" dirty="0" err="1" smtClean="0"/>
+              <a:t>MuAspectJ</a:t>
+            </a:r>
+            <a:r>
+              <a:rPr lang="zh-CN" altLang="zh-CN" sz="2400" dirty="0" smtClean="0"/>
+              <a:t>的工具，用于生成用于测量</a:t>
+            </a:r>
+            <a:r>
+              <a:rPr lang="en-US" altLang="zh-CN" sz="2400" dirty="0" err="1" smtClean="0"/>
+              <a:t>AspectJ</a:t>
+            </a:r>
+            <a:r>
+              <a:rPr lang="zh-CN" altLang="zh-CN" sz="2400" dirty="0" smtClean="0"/>
+              <a:t>程序可测试性的突变体。还可以通过该工具测量可测试性</a:t>
+            </a:r>
+            <a:r>
+              <a:rPr lang="zh-CN" altLang="en-US" sz="2400" dirty="0" smtClean="0"/>
+              <a:t>。</a:t>
+            </a:r>
+            <a:endParaRPr lang="en-US" altLang="zh-CN" sz="2400" dirty="0" smtClean="0"/>
+          </a:p>
+          <a:p>
+            <a:endParaRPr lang="en-US" altLang="zh-CN" sz="2400" dirty="0" smtClean="0"/>
+          </a:p>
+          <a:p>
+            <a:r>
+              <a:rPr lang="zh-CN" altLang="zh-CN" sz="2400" dirty="0" smtClean="0"/>
+              <a:t>测量可测试性的一种方法是通过突变分析（</a:t>
+            </a:r>
+            <a:r>
+              <a:rPr lang="en-US" altLang="zh-CN" sz="2400" dirty="0" smtClean="0"/>
+              <a:t>MA</a:t>
+            </a:r>
+            <a:r>
+              <a:rPr lang="zh-CN" altLang="zh-CN" sz="2400" dirty="0" smtClean="0"/>
+              <a:t>）。在</a:t>
+            </a:r>
+            <a:r>
+              <a:rPr lang="en-US" altLang="zh-CN" sz="2400" dirty="0" smtClean="0"/>
+              <a:t>MA</a:t>
+            </a:r>
+            <a:r>
+              <a:rPr lang="zh-CN" altLang="zh-CN" sz="2400" dirty="0" smtClean="0"/>
+              <a:t>中，变异工具为软件中的</a:t>
+            </a:r>
+            <a:r>
+              <a:rPr lang="en-US" altLang="zh-CN" sz="2400" dirty="0" smtClean="0"/>
+              <a:t>locations(</a:t>
+            </a:r>
+            <a:r>
+              <a:rPr lang="zh-CN" altLang="zh-CN" sz="2400" dirty="0" smtClean="0"/>
+              <a:t>位置</a:t>
+            </a:r>
+            <a:r>
+              <a:rPr lang="en-US" altLang="zh-CN" sz="2400" dirty="0" smtClean="0"/>
+              <a:t>)</a:t>
+            </a:r>
+            <a:r>
+              <a:rPr lang="zh-CN" altLang="zh-CN" sz="2400" dirty="0" smtClean="0"/>
+              <a:t>生成故障。每个故障都是在称为突变体的软件的新版本中创建的。</a:t>
+            </a:r>
+            <a:endParaRPr lang="en-US" altLang="zh-CN" sz="2400" dirty="0" smtClean="0"/>
+          </a:p>
+          <a:p>
+            <a:pPr>
+              <a:buNone/>
+            </a:pPr>
+            <a:r>
+              <a:rPr lang="en-US" altLang="zh-CN" sz="2400" b="1" dirty="0" smtClean="0"/>
+              <a:t>     </a:t>
+            </a:r>
+            <a:r>
+              <a:rPr lang="zh-CN" altLang="en-US" sz="2400" b="1" dirty="0" smtClean="0"/>
+              <a:t>测量方法：</a:t>
+            </a:r>
+            <a:r>
+              <a:rPr lang="zh-CN" altLang="zh-CN" sz="2400" b="1" dirty="0" smtClean="0"/>
+              <a:t>通过对突变体进行测试并计算导致测试失败的突变体的比例来测量位置的可测试性</a:t>
+            </a:r>
+            <a:endParaRPr lang="zh-CN" altLang="en-US" sz="2400" b="1" dirty="0"/>
+          </a:p>
+        </p:txBody>
+      </p:sp>
+    </p:spTree>
+  </p:cSld>
+  <p:clrMapOvr>
+    <a:masterClrMapping/>
+  </p:clrMapOvr>
+</p:sld>
+</file>
+
+<file path=ppt/slides/slide42.xml><?xml version="1.0" encoding="utf-8"?>
+<p:sld xmlns:a="http://schemas.openxmlformats.org/drawingml/2006/main" xmlns:r="http://schemas.openxmlformats.org/officeDocument/2006/relationships" xmlns:p="http://schemas.openxmlformats.org/presentationml/2006/main">
+  <p:cSld>
+    <p:spTree>
+      <p:nvGrpSpPr>
+        <p:cNvPr id="1" name=""/>
+        <p:cNvGrpSpPr/>
+        <p:nvPr/>
+      </p:nvGrpSpPr>
+      <p:grpSpPr>
+        <a:xfrm>
+          <a:off x="0" y="0"/>
+          <a:ext cx="0" cy="0"/>
+          <a:chOff x="0" y="0"/>
+          <a:chExt cx="0" cy="0"/>
+        </a:xfrm>
+      </p:grpSpPr>
+      <p:sp>
+        <p:nvSpPr>
+          <p:cNvPr id="2" name="标题 1"/>
+          <p:cNvSpPr>
+            <a:spLocks noGrp="1"/>
+          </p:cNvSpPr>
+          <p:nvPr>
+            <p:ph type="ctrTitle"/>
+          </p:nvPr>
+        </p:nvSpPr>
+        <p:spPr/>
+        <p:txBody>
+          <a:bodyPr/>
+          <a:lstStyle/>
+          <a:p>
+            <a:r>
+              <a:rPr lang="en-US" altLang="zh-CN" dirty="0" smtClean="0"/>
+              <a:t>Predicting Testability of Eclipse: A Case Study</a:t>
+            </a:r>
+            <a:endParaRPr lang="zh-CN" altLang="en-US" dirty="0"/>
+          </a:p>
+        </p:txBody>
+      </p:sp>
+      <p:sp>
+        <p:nvSpPr>
+          <p:cNvPr id="3" name="副标题 2"/>
+          <p:cNvSpPr>
+            <a:spLocks noGrp="1"/>
+          </p:cNvSpPr>
+          <p:nvPr>
+            <p:ph type="subTitle" idx="1"/>
+          </p:nvPr>
+        </p:nvSpPr>
+        <p:spPr/>
+        <p:txBody>
+          <a:bodyPr>
+            <a:normAutofit fontScale="92500" lnSpcReduction="20000"/>
+          </a:bodyPr>
+          <a:lstStyle/>
+          <a:p>
+            <a:r>
+              <a:rPr lang="en-US" altLang="zh-CN" dirty="0" smtClean="0"/>
+              <a:t>Y. Singh and A. </a:t>
+            </a:r>
+            <a:r>
+              <a:rPr lang="en-US" altLang="zh-CN" dirty="0" err="1" smtClean="0"/>
+              <a:t>Saha</a:t>
+            </a:r>
+            <a:r>
+              <a:rPr lang="en-US" altLang="zh-CN" dirty="0" smtClean="0"/>
+              <a:t> </a:t>
+            </a:r>
+          </a:p>
+          <a:p>
+            <a:r>
+              <a:rPr lang="en-US" altLang="zh-CN" dirty="0" smtClean="0"/>
+              <a:t/>
+            </a:r>
+            <a:br>
+              <a:rPr lang="en-US" altLang="zh-CN" dirty="0" smtClean="0"/>
+            </a:br>
+            <a:r>
+              <a:rPr lang="en-US" altLang="zh-CN" dirty="0" smtClean="0"/>
+              <a:t>Journal of Software Engineering, 2010 </a:t>
+            </a:r>
+            <a:br>
+              <a:rPr lang="en-US" altLang="zh-CN" dirty="0" smtClean="0"/>
+            </a:br>
+            <a:endParaRPr lang="zh-CN" altLang="en-US" dirty="0"/>
+          </a:p>
+        </p:txBody>
+      </p:sp>
+    </p:spTree>
+  </p:cSld>
+  <p:clrMapOvr>
+    <a:masterClrMapping/>
+  </p:clrMapOvr>
+</p:sld>
+</file>
+
+<file path=ppt/slides/slide43.xml><?xml version="1.0" encoding="utf-8"?>
+<p:sld xmlns:a="http://schemas.openxmlformats.org/drawingml/2006/main" xmlns:r="http://schemas.openxmlformats.org/officeDocument/2006/relationships" xmlns:p="http://schemas.openxmlformats.org/presentationml/2006/main">
+  <p:cSld>
+    <p:spTree>
+      <p:nvGrpSpPr>
+        <p:cNvPr id="1" name=""/>
+        <p:cNvGrpSpPr/>
+        <p:nvPr/>
+      </p:nvGrpSpPr>
+      <p:grpSpPr>
+        <a:xfrm>
+          <a:off x="0" y="0"/>
+          <a:ext cx="0" cy="0"/>
+          <a:chOff x="0" y="0"/>
+          <a:chExt cx="0" cy="0"/>
+        </a:xfrm>
+      </p:grpSpPr>
+      <p:sp>
+        <p:nvSpPr>
+          <p:cNvPr id="2" name="标题 1"/>
+          <p:cNvSpPr>
+            <a:spLocks noGrp="1"/>
+          </p:cNvSpPr>
+          <p:nvPr>
+            <p:ph type="title"/>
+          </p:nvPr>
+        </p:nvSpPr>
+        <p:spPr/>
+        <p:txBody>
+          <a:bodyPr/>
+          <a:lstStyle/>
+          <a:p>
+            <a:pPr algn="l">
+              <a:buFont typeface="Wingdings" pitchFamily="2" charset="2"/>
+              <a:buChar char="Ø"/>
+            </a:pPr>
+            <a:r>
               <a:rPr lang="zh-CN" altLang="en-US" dirty="0" smtClean="0"/>
               <a:t> 概要</a:t>
             </a:r>
@@ -9238,43 +10393,23 @@
             </a:r>
             <a:r>
               <a:rPr lang="zh-CN" altLang="zh-CN" dirty="0" smtClean="0"/>
-              <a:t>项目可测试性的案例</a:t>
-            </a:r>
-            <a:r>
-              <a:rPr lang="zh-CN" altLang="zh-CN" dirty="0" smtClean="0"/>
-              <a:t>研究</a:t>
+              <a:t>项目可测试性的案例研究</a:t>
             </a:r>
             <a:r>
               <a:rPr lang="zh-CN" altLang="en-US" dirty="0" smtClean="0"/>
-              <a:t>，</a:t>
+              <a:t>，并</a:t>
+            </a:r>
+            <a:r>
+              <a:rPr lang="zh-CN" altLang="zh-CN" dirty="0" smtClean="0"/>
+              <a:t>提出一些</a:t>
             </a:r>
             <a:r>
               <a:rPr lang="zh-CN" altLang="en-US" dirty="0" smtClean="0"/>
-              <a:t>并</a:t>
-            </a:r>
-            <a:r>
-              <a:rPr lang="zh-CN" altLang="zh-CN" dirty="0" smtClean="0"/>
-              <a:t>提出一些</a:t>
-            </a:r>
-            <a:r>
-              <a:rPr lang="zh-CN" altLang="en-US" dirty="0" smtClean="0"/>
-              <a:t>可能</a:t>
-            </a:r>
-            <a:r>
-              <a:rPr lang="zh-CN" altLang="en-US" dirty="0" smtClean="0"/>
-              <a:t>影响</a:t>
-            </a:r>
-            <a:r>
-              <a:rPr lang="zh-CN" altLang="zh-CN" dirty="0" smtClean="0"/>
-              <a:t>可测试性</a:t>
-            </a:r>
-            <a:r>
-              <a:rPr lang="zh-CN" altLang="zh-CN" dirty="0" smtClean="0"/>
-              <a:t>测量指标</a:t>
-            </a:r>
-            <a:r>
-              <a:rPr lang="zh-CN" altLang="zh-CN" dirty="0" smtClean="0"/>
-              <a:t>。</a:t>
+              <a:t>可能影响</a:t>
+            </a:r>
+            <a:r>
+              <a:rPr lang="zh-CN" altLang="zh-CN" dirty="0" smtClean="0"/>
+              <a:t>可测试性测量指标。</a:t>
             </a:r>
             <a:endParaRPr lang="en-US" altLang="zh-CN" dirty="0" smtClean="0"/>
           </a:p>
@@ -9300,11 +10435,7 @@
             </a:r>
             <a:r>
               <a:rPr lang="zh-CN" altLang="en-US" dirty="0" smtClean="0"/>
-              <a:t>包含</a:t>
-            </a:r>
-            <a:r>
-              <a:rPr lang="zh-CN" altLang="en-US" dirty="0" smtClean="0"/>
-              <a:t>测试集</a:t>
+              <a:t>包含测试集</a:t>
             </a:r>
             <a:endParaRPr lang="en-US" altLang="zh-CN" dirty="0" smtClean="0"/>
           </a:p>
@@ -9356,7 +10487,7 @@
 </p:sld>
 </file>
 
-<file path=ppt/slides/slide41.xml><?xml version="1.0" encoding="utf-8"?>
+<file path=ppt/slides/slide44.xml><?xml version="1.0" encoding="utf-8"?>
 <p:sld xmlns:a="http://schemas.openxmlformats.org/drawingml/2006/main" xmlns:r="http://schemas.openxmlformats.org/officeDocument/2006/relationships" xmlns:p="http://schemas.openxmlformats.org/presentationml/2006/main">
   <p:cSld>
     <p:spTree>
@@ -9461,11 +10592,7 @@
             </a:pPr>
             <a:r>
               <a:rPr lang="en-US" altLang="zh-CN" sz="2400" dirty="0" smtClean="0"/>
-              <a:t> </a:t>
-            </a:r>
-            <a:r>
-              <a:rPr lang="en-US" altLang="zh-CN" sz="2400" dirty="0" smtClean="0"/>
-              <a:t>                              </a:t>
+              <a:t>                               </a:t>
             </a:r>
             <a:r>
               <a:rPr lang="zh-CN" altLang="en-US" sz="2400" dirty="0" smtClean="0"/>
@@ -9540,7 +10667,7 @@
 </p:sld>
 </file>
 
-<file path=ppt/slides/slide42.xml><?xml version="1.0" encoding="utf-8"?>
+<file path=ppt/slides/slide45.xml><?xml version="1.0" encoding="utf-8"?>
 <p:sld xmlns:a="http://schemas.openxmlformats.org/drawingml/2006/main" xmlns:r="http://schemas.openxmlformats.org/officeDocument/2006/relationships" xmlns:p="http://schemas.openxmlformats.org/presentationml/2006/main">
   <p:cSld>
     <p:spTree>
@@ -9648,7 +10775,7 @@
 </p:sld>
 </file>
 
-<file path=ppt/slides/slide43.xml><?xml version="1.0" encoding="utf-8"?>
+<file path=ppt/slides/slide46.xml><?xml version="1.0" encoding="utf-8"?>
 <p:sld xmlns:a="http://schemas.openxmlformats.org/drawingml/2006/main" xmlns:r="http://schemas.openxmlformats.org/officeDocument/2006/relationships" xmlns:p="http://schemas.openxmlformats.org/presentationml/2006/main">
   <p:cSld>
     <p:spTree>
@@ -9718,11 +10845,7 @@
           <a:p>
             <a:r>
               <a:rPr lang="zh-CN" altLang="zh-CN" sz="1800" dirty="0" smtClean="0"/>
-              <a:t>实验结果是指标之间的关系</a:t>
-            </a:r>
-            <a:r>
-              <a:rPr lang="zh-CN" altLang="zh-CN" sz="1800" dirty="0" smtClean="0"/>
-              <a:t>：</a:t>
+              <a:t>实验结果是指标之间的关系：</a:t>
             </a:r>
             <a:r>
               <a:rPr lang="zh-CN" altLang="en-US" sz="1800" dirty="0" smtClean="0"/>
@@ -9742,11 +10865,7 @@
             </a:r>
             <a:r>
               <a:rPr lang="zh-CN" altLang="zh-CN" sz="1800" dirty="0" smtClean="0"/>
-              <a:t>导致高的测试</a:t>
-            </a:r>
-            <a:r>
-              <a:rPr lang="zh-CN" altLang="zh-CN" sz="1800" dirty="0" smtClean="0"/>
-              <a:t>方法</a:t>
+              <a:t>导致高的测试方法</a:t>
             </a:r>
             <a:r>
               <a:rPr lang="zh-CN" altLang="en-US" sz="1800" dirty="0" smtClean="0"/>
@@ -9754,11 +10873,7 @@
             </a:r>
             <a:r>
               <a:rPr lang="zh-CN" altLang="zh-CN" sz="1800" dirty="0" smtClean="0"/>
-              <a:t>，</a:t>
-            </a:r>
-            <a:r>
-              <a:rPr lang="zh-CN" altLang="zh-CN" sz="1800" dirty="0" smtClean="0"/>
-              <a:t>因此，高的</a:t>
+              <a:t>，因此，高的</a:t>
             </a:r>
             <a:r>
               <a:rPr lang="en-US" altLang="zh-CN" sz="1800" dirty="0" smtClean="0"/>
@@ -9782,11 +10897,7 @@
             </a:r>
             <a:r>
               <a:rPr lang="zh-CN" altLang="zh-CN" sz="1800" dirty="0" smtClean="0"/>
-              <a:t>，</a:t>
-            </a:r>
-            <a:r>
-              <a:rPr lang="zh-CN" altLang="zh-CN" sz="1800" dirty="0" smtClean="0"/>
-              <a:t>高的</a:t>
+              <a:t>，高的</a:t>
             </a:r>
             <a:r>
               <a:rPr lang="en-US" altLang="zh-CN" sz="1800" dirty="0" smtClean="0"/>
@@ -9950,7 +11061,7 @@
           <a:p>
             <a:r>
               <a:rPr lang="zh-CN" altLang="en-US" dirty="0" smtClean="0"/>
-              <a:t>软件的可控性</a:t>
+              <a:t>软件的可观察性</a:t>
             </a:r>
             <a:endParaRPr lang="zh-CN" altLang="en-US" dirty="0"/>
           </a:p>
@@ -10240,15 +11351,7 @@
             </a:pPr>
             <a:r>
               <a:rPr lang="zh-CN" altLang="en-US" dirty="0" smtClean="0"/>
-              <a:t> 运行测试</a:t>
-            </a:r>
-            <a:r>
-              <a:rPr lang="zh-CN" altLang="en-US" dirty="0" smtClean="0"/>
-              <a:t>存在的</a:t>
-            </a:r>
-            <a:r>
-              <a:rPr lang="zh-CN" altLang="en-US" dirty="0" smtClean="0"/>
-              <a:t>风险</a:t>
+              <a:t> 运行测试存在的风险</a:t>
             </a:r>
             <a:endParaRPr lang="zh-CN" altLang="en-US" dirty="0"/>
           </a:p>
@@ -10362,11 +11465,7 @@
             </a:r>
             <a:r>
               <a:rPr lang="zh-CN" altLang="zh-CN" dirty="0" smtClean="0"/>
-              <a:t>运行</a:t>
-            </a:r>
-            <a:r>
-              <a:rPr lang="zh-CN" altLang="zh-CN" dirty="0" smtClean="0"/>
-              <a:t>时可测试性</a:t>
+              <a:t>运行时可测试性</a:t>
             </a:r>
             <a:r>
               <a:rPr lang="zh-CN" altLang="en-US" dirty="0" smtClean="0"/>
@@ -10396,11 +11495,7 @@
             <a:pPr lvl="1"/>
             <a:r>
               <a:rPr lang="zh-CN" altLang="zh-CN" dirty="0" smtClean="0"/>
-              <a:t>运行</a:t>
-            </a:r>
-            <a:r>
-              <a:rPr lang="zh-CN" altLang="zh-CN" dirty="0" smtClean="0"/>
-              <a:t>时可测试性是</a:t>
+              <a:t>运行时可测试性是</a:t>
             </a:r>
             <a:endParaRPr lang="en-US" altLang="zh-CN" dirty="0" smtClean="0"/>
           </a:p>
@@ -10779,4 +11874,287 @@
   <a:objectDefaults/>
   <a:extraClrSchemeLst/>
 </a:theme>
+</file>
+
+<file path=ppt/theme/theme2.xml><?xml version="1.0" encoding="utf-8"?>
+<a:theme xmlns:a="http://schemas.openxmlformats.org/drawingml/2006/main" name="Office 主题">
+  <a:themeElements>
+    <a:clrScheme name="Office">
+      <a:dk1>
+        <a:sysClr val="windowText" lastClr="000000"/>
+      </a:dk1>
+      <a:lt1>
+        <a:sysClr val="window" lastClr="FFFFFF"/>
+      </a:lt1>
+      <a:dk2>
+        <a:srgbClr val="1F497D"/>
+      </a:dk2>
+      <a:lt2>
+        <a:srgbClr val="EEECE1"/>
+      </a:lt2>
+      <a:accent1>
+        <a:srgbClr val="4F81BD"/>
+      </a:accent1>
+      <a:accent2>
+        <a:srgbClr val="C0504D"/>
+      </a:accent2>
+      <a:accent3>
+        <a:srgbClr val="9BBB59"/>
+      </a:accent3>
+      <a:accent4>
+        <a:srgbClr val="8064A2"/>
+      </a:accent4>
+      <a:accent5>
+        <a:srgbClr val="4BACC6"/>
+      </a:accent5>
+      <a:accent6>
+        <a:srgbClr val="F79646"/>
+      </a:accent6>
+      <a:hlink>
+        <a:srgbClr val="0000FF"/>
+      </a:hlink>
+      <a:folHlink>
+        <a:srgbClr val="800080"/>
+      </a:folHlink>
+    </a:clrScheme>
+    <a:fontScheme name="Office">
+      <a:majorFont>
+        <a:latin typeface="Calibri"/>
+        <a:ea typeface=""/>
+        <a:cs typeface=""/>
+        <a:font script="Jpan" typeface="ＭＳ Ｐゴシック"/>
+        <a:font script="Hang" typeface="맑은 고딕"/>
+        <a:font script="Hans" typeface="宋体"/>
+        <a:font script="Hant" typeface="新細明體"/>
+        <a:font script="Arab" typeface="Times New Roman"/>
+        <a:font script="Hebr" typeface="Times New Roman"/>
+        <a:font script="Thai" typeface="Angsana New"/>
+        <a:font script="Ethi" typeface="Nyala"/>
+        <a:font script="Beng" typeface="Vrinda"/>
+        <a:font script="Gujr" typeface="Shruti"/>
+        <a:font script="Khmr" typeface="MoolBoran"/>
+        <a:font script="Knda" typeface="Tunga"/>
+        <a:font script="Guru" typeface="Raavi"/>
+        <a:font script="Cans" typeface="Euphemia"/>
+        <a:font script="Cher" typeface="Plantagenet Cherokee"/>
+        <a:font script="Yiii" typeface="Microsoft Yi Baiti"/>
+        <a:font script="Tibt" typeface="Microsoft Himalaya"/>
+        <a:font script="Thaa" typeface="MV Boli"/>
+        <a:font script="Deva" typeface="Mangal"/>
+        <a:font script="Telu" typeface="Gautami"/>
+        <a:font script="Taml" typeface="Latha"/>
+        <a:font script="Syrc" typeface="Estrangelo Edessa"/>
+        <a:font script="Orya" typeface="Kalinga"/>
+        <a:font script="Mlym" typeface="Kartika"/>
+        <a:font script="Laoo" typeface="DokChampa"/>
+        <a:font script="Sinh" typeface="Iskoola Pota"/>
+        <a:font script="Mong" typeface="Mongolian Baiti"/>
+        <a:font script="Viet" typeface="Times New Roman"/>
+        <a:font script="Uigh" typeface="Microsoft Uighur"/>
+      </a:majorFont>
+      <a:minorFont>
+        <a:latin typeface="Calibri"/>
+        <a:ea typeface=""/>
+        <a:cs typeface=""/>
+        <a:font script="Jpan" typeface="ＭＳ Ｐゴシック"/>
+        <a:font script="Hang" typeface="맑은 고딕"/>
+        <a:font script="Hans" typeface="宋体"/>
+        <a:font script="Hant" typeface="新細明體"/>
+        <a:font script="Arab" typeface="Arial"/>
+        <a:font script="Hebr" typeface="Arial"/>
+        <a:font script="Thai" typeface="Cordia New"/>
+        <a:font script="Ethi" typeface="Nyala"/>
+        <a:font script="Beng" typeface="Vrinda"/>
+        <a:font script="Gujr" typeface="Shruti"/>
+        <a:font script="Khmr" typeface="DaunPenh"/>
+        <a:font script="Knda" typeface="Tunga"/>
+        <a:font script="Guru" typeface="Raavi"/>
+        <a:font script="Cans" typeface="Euphemia"/>
+        <a:font script="Cher" typeface="Plantagenet Cherokee"/>
+        <a:font script="Yiii" typeface="Microsoft Yi Baiti"/>
+        <a:font script="Tibt" typeface="Microsoft Himalaya"/>
+        <a:font script="Thaa" typeface="MV Boli"/>
+        <a:font script="Deva" typeface="Mangal"/>
+        <a:font script="Telu" typeface="Gautami"/>
+        <a:font script="Taml" typeface="Latha"/>
+        <a:font script="Syrc" typeface="Estrangelo Edessa"/>
+        <a:font script="Orya" typeface="Kalinga"/>
+        <a:font script="Mlym" typeface="Kartika"/>
+        <a:font script="Laoo" typeface="DokChampa"/>
+        <a:font script="Sinh" typeface="Iskoola Pota"/>
+        <a:font script="Mong" typeface="Mongolian Baiti"/>
+        <a:font script="Viet" typeface="Arial"/>
+        <a:font script="Uigh" typeface="Microsoft Uighur"/>
+      </a:minorFont>
+    </a:fontScheme>
+    <a:fmtScheme name="Office">
+      <a:fillStyleLst>
+        <a:solidFill>
+          <a:schemeClr val="phClr"/>
+        </a:solidFill>
+        <a:gradFill rotWithShape="1">
+          <a:gsLst>
+            <a:gs pos="0">
+              <a:schemeClr val="phClr">
+                <a:tint val="50000"/>
+                <a:satMod val="300000"/>
+              </a:schemeClr>
+            </a:gs>
+            <a:gs pos="35000">
+              <a:schemeClr val="phClr">
+                <a:tint val="37000"/>
+                <a:satMod val="300000"/>
+              </a:schemeClr>
+            </a:gs>
+            <a:gs pos="100000">
+              <a:schemeClr val="phClr">
+                <a:tint val="15000"/>
+                <a:satMod val="350000"/>
+              </a:schemeClr>
+            </a:gs>
+          </a:gsLst>
+          <a:lin ang="16200000" scaled="1"/>
+        </a:gradFill>
+        <a:gradFill rotWithShape="1">
+          <a:gsLst>
+            <a:gs pos="0">
+              <a:schemeClr val="phClr">
+                <a:shade val="51000"/>
+                <a:satMod val="130000"/>
+              </a:schemeClr>
+            </a:gs>
+            <a:gs pos="80000">
+              <a:schemeClr val="phClr">
+                <a:shade val="93000"/>
+                <a:satMod val="130000"/>
+              </a:schemeClr>
+            </a:gs>
+            <a:gs pos="100000">
+              <a:schemeClr val="phClr">
+                <a:shade val="94000"/>
+                <a:satMod val="135000"/>
+              </a:schemeClr>
+            </a:gs>
+          </a:gsLst>
+          <a:lin ang="16200000" scaled="0"/>
+        </a:gradFill>
+      </a:fillStyleLst>
+      <a:lnStyleLst>
+        <a:ln w="9525" cap="flat" cmpd="sng" algn="ctr">
+          <a:solidFill>
+            <a:schemeClr val="phClr">
+              <a:shade val="95000"/>
+              <a:satMod val="105000"/>
+            </a:schemeClr>
+          </a:solidFill>
+          <a:prstDash val="solid"/>
+        </a:ln>
+        <a:ln w="25400" cap="flat" cmpd="sng" algn="ctr">
+          <a:solidFill>
+            <a:schemeClr val="phClr"/>
+          </a:solidFill>
+          <a:prstDash val="solid"/>
+        </a:ln>
+        <a:ln w="38100" cap="flat" cmpd="sng" algn="ctr">
+          <a:solidFill>
+            <a:schemeClr val="phClr"/>
+          </a:solidFill>
+          <a:prstDash val="solid"/>
+        </a:ln>
+      </a:lnStyleLst>
+      <a:effectStyleLst>
+        <a:effectStyle>
+          <a:effectLst>
+            <a:outerShdw blurRad="40000" dist="20000" dir="5400000" rotWithShape="0">
+              <a:srgbClr val="000000">
+                <a:alpha val="38000"/>
+              </a:srgbClr>
+            </a:outerShdw>
+          </a:effectLst>
+        </a:effectStyle>
+        <a:effectStyle>
+          <a:effectLst>
+            <a:outerShdw blurRad="40000" dist="23000" dir="5400000" rotWithShape="0">
+              <a:srgbClr val="000000">
+                <a:alpha val="35000"/>
+              </a:srgbClr>
+            </a:outerShdw>
+          </a:effectLst>
+        </a:effectStyle>
+        <a:effectStyle>
+          <a:effectLst>
+            <a:outerShdw blurRad="40000" dist="23000" dir="5400000" rotWithShape="0">
+              <a:srgbClr val="000000">
+                <a:alpha val="35000"/>
+              </a:srgbClr>
+            </a:outerShdw>
+          </a:effectLst>
+          <a:scene3d>
+            <a:camera prst="orthographicFront">
+              <a:rot lat="0" lon="0" rev="0"/>
+            </a:camera>
+            <a:lightRig rig="threePt" dir="t">
+              <a:rot lat="0" lon="0" rev="1200000"/>
+            </a:lightRig>
+          </a:scene3d>
+          <a:sp3d>
+            <a:bevelT w="63500" h="25400"/>
+          </a:sp3d>
+        </a:effectStyle>
+      </a:effectStyleLst>
+      <a:bgFillStyleLst>
+        <a:solidFill>
+          <a:schemeClr val="phClr"/>
+        </a:solidFill>
+        <a:gradFill rotWithShape="1">
+          <a:gsLst>
+            <a:gs pos="0">
+              <a:schemeClr val="phClr">
+                <a:tint val="40000"/>
+                <a:satMod val="350000"/>
+              </a:schemeClr>
+            </a:gs>
+            <a:gs pos="40000">
+              <a:schemeClr val="phClr">
+                <a:tint val="45000"/>
+                <a:shade val="99000"/>
+                <a:satMod val="350000"/>
+              </a:schemeClr>
+            </a:gs>
+            <a:gs pos="100000">
+              <a:schemeClr val="phClr">
+                <a:shade val="20000"/>
+                <a:satMod val="255000"/>
+              </a:schemeClr>
+            </a:gs>
+          </a:gsLst>
+          <a:path path="circle">
+            <a:fillToRect l="50000" t="-80000" r="50000" b="180000"/>
+          </a:path>
+        </a:gradFill>
+        <a:gradFill rotWithShape="1">
+          <a:gsLst>
+            <a:gs pos="0">
+              <a:schemeClr val="phClr">
+                <a:tint val="80000"/>
+                <a:satMod val="300000"/>
+              </a:schemeClr>
+            </a:gs>
+            <a:gs pos="100000">
+              <a:schemeClr val="phClr">
+                <a:shade val="30000"/>
+                <a:satMod val="200000"/>
+              </a:schemeClr>
+            </a:gs>
+          </a:gsLst>
+          <a:path path="circle">
+            <a:fillToRect l="50000" t="50000" r="50000" b="50000"/>
+          </a:path>
+        </a:gradFill>
+      </a:bgFillStyleLst>
+    </a:fmtScheme>
+  </a:themeElements>
+  <a:objectDefaults/>
+  <a:extraClrSchemeLst/>
+</a:theme>
 </file>